--- a/Trabalho_final/apresentacao.pptx
+++ b/Trabalho_final/apresentacao.pptx
@@ -5632,7 +5632,7 @@
         <p:spPr>
           <a:xfrm>
             <a:off x="304800" y="2158991"/>
-            <a:ext cx="8534400" cy="3955635"/>
+            <a:ext cx="8534400" cy="4339650"/>
           </a:xfrm>
           <a:prstGeom prst="rect">
             <a:avLst/>
@@ -6013,9 +6013,35 @@
               <a:t>p_data_atual</a:t>
             </a:r>
             <a:r>
+              <a:rPr lang="pt-BR" sz="2000" dirty="0" smtClean="0"/>
+              <a:t>)</a:t>
+            </a:r>
+          </a:p>
+          <a:p>
+            <a:pPr marL="342900" indent="-342900" algn="just">
+              <a:lnSpc>
+                <a:spcPct val="115000"/>
+              </a:lnSpc>
+              <a:buFont typeface="Arial" pitchFamily="34" charset="0"/>
+              <a:buChar char="•"/>
+            </a:pPr>
+            <a:r>
+              <a:rPr lang="pt-BR" sz="2000" dirty="0" err="1" smtClean="0"/>
+              <a:t>fn_classificacao</a:t>
+            </a:r>
+            <a:r>
               <a:rPr lang="pt-BR" sz="2000" dirty="0"/>
+              <a:t> (</a:t>
+            </a:r>
+            <a:r>
+              <a:rPr lang="pt-BR" sz="2000" dirty="0" err="1" smtClean="0"/>
+              <a:t>p_data</a:t>
+            </a:r>
+            <a:r>
+              <a:rPr lang="pt-BR" sz="2000" dirty="0" smtClean="0"/>
               <a:t>)</a:t>
             </a:r>
+            <a:endParaRPr lang="pt-BR" sz="2000" dirty="0"/>
           </a:p>
         </p:txBody>
       </p:sp>
@@ -6343,7 +6369,7 @@
         <p:spPr>
           <a:xfrm>
             <a:off x="304800" y="2544064"/>
-            <a:ext cx="8534400" cy="800219"/>
+            <a:ext cx="8534400" cy="2569934"/>
           </a:xfrm>
           <a:prstGeom prst="rect">
             <a:avLst/>
@@ -6368,6 +6394,57 @@
             </a:r>
           </a:p>
           <a:p>
+            <a:pPr marL="342900" indent="-342900" algn="just">
+              <a:lnSpc>
+                <a:spcPct val="115000"/>
+              </a:lnSpc>
+              <a:buFont typeface="Arial" pitchFamily="34" charset="0"/>
+              <a:buChar char="•"/>
+            </a:pPr>
+            <a:endParaRPr lang="pt-BR" sz="2000" dirty="0"/>
+          </a:p>
+          <a:p>
+            <a:pPr marL="342900" indent="-342900" algn="just">
+              <a:lnSpc>
+                <a:spcPct val="115000"/>
+              </a:lnSpc>
+              <a:buFont typeface="Arial" pitchFamily="34" charset="0"/>
+              <a:buChar char="•"/>
+            </a:pPr>
+            <a:endParaRPr lang="pt-BR" sz="2000" dirty="0" smtClean="0"/>
+          </a:p>
+          <a:p>
+            <a:pPr marL="342900" indent="-342900" algn="just">
+              <a:lnSpc>
+                <a:spcPct val="115000"/>
+              </a:lnSpc>
+              <a:buFont typeface="Arial" pitchFamily="34" charset="0"/>
+              <a:buChar char="•"/>
+            </a:pPr>
+            <a:endParaRPr lang="pt-BR" sz="2000" dirty="0"/>
+          </a:p>
+          <a:p>
+            <a:pPr marL="342900" indent="-342900" algn="just">
+              <a:lnSpc>
+                <a:spcPct val="115000"/>
+              </a:lnSpc>
+              <a:buFont typeface="Arial" pitchFamily="34" charset="0"/>
+              <a:buChar char="•"/>
+            </a:pPr>
+            <a:r>
+              <a:rPr lang="pt-BR" sz="2000" dirty="0" smtClean="0"/>
+              <a:t>PKG_TABELA</a:t>
+            </a:r>
+          </a:p>
+          <a:p>
+            <a:pPr algn="just">
+              <a:lnSpc>
+                <a:spcPct val="115000"/>
+              </a:lnSpc>
+            </a:pPr>
+            <a:endParaRPr lang="pt-BR" sz="2000" dirty="0" smtClean="0"/>
+          </a:p>
+          <a:p>
             <a:pPr algn="just">
               <a:lnSpc>
                 <a:spcPct val="115000"/>
@@ -6417,6 +6494,40 @@
               <a:rPr lang="pt-BR" sz="1800" dirty="0"/>
               <a:t>sp_insere_gol_partida</a:t>
             </a:r>
+          </a:p>
+        </p:txBody>
+      </p:sp>
+      <p:sp>
+        <p:nvSpPr>
+          <p:cNvPr id="7" name="CaixaDeTexto 6"/>
+          <p:cNvSpPr txBox="1"/>
+          <p:nvPr/>
+        </p:nvSpPr>
+        <p:spPr>
+          <a:xfrm>
+            <a:off x="965674" y="4431081"/>
+            <a:ext cx="3922519" cy="369332"/>
+          </a:xfrm>
+          <a:prstGeom prst="rect">
+            <a:avLst/>
+          </a:prstGeom>
+          <a:noFill/>
+        </p:spPr>
+        <p:txBody>
+          <a:bodyPr wrap="square" rtlCol="0">
+            <a:spAutoFit/>
+          </a:bodyPr>
+          <a:lstStyle/>
+          <a:p>
+            <a:pPr marL="285750" indent="-285750">
+              <a:buFont typeface="Arial" pitchFamily="34" charset="0"/>
+              <a:buChar char="•"/>
+            </a:pPr>
+            <a:r>
+              <a:rPr lang="pt-BR" sz="1800" dirty="0" smtClean="0"/>
+              <a:t>Funções da Tabela</a:t>
+            </a:r>
+            <a:endParaRPr lang="pt-BR" sz="1800" dirty="0"/>
           </a:p>
         </p:txBody>
       </p:sp>
@@ -6539,6 +6650,70 @@
             </a:stretch>
           </a:blipFill>
         </p:spPr>
+      </p:sp>
+      <p:sp>
+        <p:nvSpPr>
+          <p:cNvPr id="5" name="Rectangle 1"/>
+          <p:cNvSpPr/>
+          <p:nvPr/>
+        </p:nvSpPr>
+        <p:spPr>
+          <a:xfrm>
+            <a:off x="304800" y="2552138"/>
+            <a:ext cx="8534400" cy="2363724"/>
+          </a:xfrm>
+          <a:prstGeom prst="rect">
+            <a:avLst/>
+          </a:prstGeom>
+        </p:spPr>
+        <p:txBody>
+          <a:bodyPr wrap="square">
+            <a:spAutoFit/>
+          </a:bodyPr>
+          <a:lstStyle/>
+          <a:p>
+            <a:pPr marL="342900" lvl="0" indent="-342900">
+              <a:buFont typeface="Arial" pitchFamily="34" charset="0"/>
+              <a:buChar char="•"/>
+            </a:pPr>
+            <a:r>
+              <a:rPr lang="pt-BR" sz="2400" dirty="0"/>
+              <a:t>t_obj_classificacao (nome_time, pontuacao, qtd_jogos, qtd_vitorias, qtd_empates, qtd_derrotas, gols_pro, gols_contra, gols_saldo, aproveitamento</a:t>
+            </a:r>
+            <a:r>
+              <a:rPr lang="pt-BR" sz="2400" dirty="0" smtClean="0"/>
+              <a:t>)</a:t>
+            </a:r>
+          </a:p>
+          <a:p>
+            <a:pPr marL="342900" lvl="0" indent="-342900">
+              <a:buFont typeface="Arial" pitchFamily="34" charset="0"/>
+              <a:buChar char="•"/>
+            </a:pPr>
+            <a:endParaRPr lang="pt-BR" sz="2400" dirty="0"/>
+          </a:p>
+          <a:p>
+            <a:pPr marL="342900" lvl="0" indent="-342900">
+              <a:buFont typeface="Arial" pitchFamily="34" charset="0"/>
+              <a:buChar char="•"/>
+            </a:pPr>
+            <a:r>
+              <a:rPr lang="pt-BR" sz="2400" dirty="0" smtClean="0"/>
+              <a:t>t_ret_classificacao (t_obj_classificacao)</a:t>
+            </a:r>
+            <a:endParaRPr lang="pt-BR" sz="2400" dirty="0"/>
+          </a:p>
+          <a:p>
+            <a:pPr marL="342900" indent="-342900" algn="just">
+              <a:lnSpc>
+                <a:spcPct val="115000"/>
+              </a:lnSpc>
+              <a:buFont typeface="Arial" pitchFamily="34" charset="0"/>
+              <a:buChar char="•"/>
+            </a:pPr>
+            <a:endParaRPr lang="pt-BR" sz="2400" dirty="0"/>
+          </a:p>
+        </p:txBody>
       </p:sp>
     </p:spTree>
     <p:extLst>

--- a/Trabalho_final/apresentacao.pptx
+++ b/Trabalho_final/apresentacao.pptx
@@ -5,21 +5,26 @@
     <p:sldMasterId id="2147483654" r:id="rId1"/>
   </p:sldMasterIdLst>
   <p:notesMasterIdLst>
-    <p:notesMasterId r:id="rId14"/>
+    <p:notesMasterId r:id="rId19"/>
   </p:notesMasterIdLst>
   <p:sldIdLst>
     <p:sldId id="256" r:id="rId2"/>
     <p:sldId id="266" r:id="rId3"/>
-    <p:sldId id="296" r:id="rId4"/>
-    <p:sldId id="297" r:id="rId5"/>
-    <p:sldId id="321" r:id="rId6"/>
-    <p:sldId id="291" r:id="rId7"/>
-    <p:sldId id="299" r:id="rId8"/>
-    <p:sldId id="300" r:id="rId9"/>
-    <p:sldId id="323" r:id="rId10"/>
-    <p:sldId id="301" r:id="rId11"/>
-    <p:sldId id="322" r:id="rId12"/>
-    <p:sldId id="278" r:id="rId13"/>
+    <p:sldId id="325" r:id="rId4"/>
+    <p:sldId id="327" r:id="rId5"/>
+    <p:sldId id="326" r:id="rId6"/>
+    <p:sldId id="296" r:id="rId7"/>
+    <p:sldId id="297" r:id="rId8"/>
+    <p:sldId id="321" r:id="rId9"/>
+    <p:sldId id="291" r:id="rId10"/>
+    <p:sldId id="299" r:id="rId11"/>
+    <p:sldId id="300" r:id="rId12"/>
+    <p:sldId id="323" r:id="rId13"/>
+    <p:sldId id="301" r:id="rId14"/>
+    <p:sldId id="322" r:id="rId15"/>
+    <p:sldId id="324" r:id="rId16"/>
+    <p:sldId id="328" r:id="rId17"/>
+    <p:sldId id="278" r:id="rId18"/>
   </p:sldIdLst>
   <p:sldSz cx="9144000" cy="6858000" type="screen4x3"/>
   <p:notesSz cx="6858000" cy="9144000"/>
@@ -225,6 +230,22 @@
       </a:defRPr>
     </a:lvl9pPr>
   </p:defaultTextStyle>
+  <p:extLst>
+    <p:ext uri="{EFAFB233-063F-42B5-8137-9DF3F51BA10A}">
+      <p15:sldGuideLst xmlns:p15="http://schemas.microsoft.com/office/powerpoint/2012/main">
+        <p15:guide id="1" orient="horz" pos="2160">
+          <p15:clr>
+            <a:srgbClr val="A4A3A4"/>
+          </p15:clr>
+        </p15:guide>
+        <p15:guide id="2" pos="2880">
+          <p15:clr>
+            <a:srgbClr val="A4A3A4"/>
+          </p15:clr>
+        </p15:guide>
+      </p15:sldGuideLst>
+    </p:ext>
+  </p:extLst>
 </p:presentation>
 </file>
 
@@ -537,6 +558,11 @@
         </p:txBody>
       </p:sp>
     </p:spTree>
+    <p:extLst>
+      <p:ext uri="{BB962C8B-B14F-4D97-AF65-F5344CB8AC3E}">
+        <p14:creationId xmlns:p14="http://schemas.microsoft.com/office/powerpoint/2010/main" val="674900713"/>
+      </p:ext>
+    </p:extLst>
   </p:cSld>
   <p:clrMapOvr>
     <a:masterClrMapping/>
@@ -632,6 +658,11 @@
         </p:txBody>
       </p:sp>
     </p:spTree>
+    <p:extLst>
+      <p:ext uri="{BB962C8B-B14F-4D97-AF65-F5344CB8AC3E}">
+        <p14:creationId xmlns:p14="http://schemas.microsoft.com/office/powerpoint/2010/main" val="1850561272"/>
+      </p:ext>
+    </p:extLst>
   </p:cSld>
   <p:clrMapOvr>
     <a:masterClrMapping/>
@@ -727,6 +758,11 @@
         </p:txBody>
       </p:sp>
     </p:spTree>
+    <p:extLst>
+      <p:ext uri="{BB962C8B-B14F-4D97-AF65-F5344CB8AC3E}">
+        <p14:creationId xmlns:p14="http://schemas.microsoft.com/office/powerpoint/2010/main" val="4160007709"/>
+      </p:ext>
+    </p:extLst>
   </p:cSld>
   <p:clrMapOvr>
     <a:masterClrMapping/>
@@ -739,7 +775,7 @@
   <p:cSld>
     <p:spTree>
       <p:nvGrpSpPr>
-        <p:cNvPr id="1" name="Shape 227"/>
+        <p:cNvPr id="1" name="Shape 119"/>
         <p:cNvGrpSpPr/>
         <p:nvPr/>
       </p:nvGrpSpPr>
@@ -753,7 +789,7 @@
       </p:grpSpPr>
       <p:sp>
         <p:nvSpPr>
-          <p:cNvPr id="228" name="Shape 228"/>
+          <p:cNvPr id="120" name="Shape 120"/>
           <p:cNvSpPr>
             <a:spLocks noGrp="1" noRot="1" noChangeAspect="1"/>
           </p:cNvSpPr>
@@ -794,6 +830,506 @@
       </p:sp>
       <p:sp>
         <p:nvSpPr>
+          <p:cNvPr id="121" name="Shape 121"/>
+          <p:cNvSpPr txBox="1">
+            <a:spLocks noGrp="1"/>
+          </p:cNvSpPr>
+          <p:nvPr>
+            <p:ph type="body" idx="1"/>
+          </p:nvPr>
+        </p:nvSpPr>
+        <p:spPr>
+          <a:xfrm>
+            <a:off x="685800" y="4343400"/>
+            <a:ext cx="5486399" cy="4114800"/>
+          </a:xfrm>
+          <a:prstGeom prst="rect">
+            <a:avLst/>
+          </a:prstGeom>
+        </p:spPr>
+        <p:txBody>
+          <a:bodyPr lIns="91425" tIns="91425" rIns="91425" bIns="91425" anchor="t" anchorCtr="0">
+            <a:noAutofit/>
+          </a:bodyPr>
+          <a:lstStyle/>
+          <a:p>
+            <a:endParaRPr/>
+          </a:p>
+        </p:txBody>
+      </p:sp>
+    </p:spTree>
+    <p:extLst>
+      <p:ext uri="{BB962C8B-B14F-4D97-AF65-F5344CB8AC3E}">
+        <p14:creationId xmlns:p14="http://schemas.microsoft.com/office/powerpoint/2010/main" val="2636539055"/>
+      </p:ext>
+    </p:extLst>
+  </p:cSld>
+  <p:clrMapOvr>
+    <a:masterClrMapping/>
+  </p:clrMapOvr>
+</p:notes>
+</file>
+
+<file path=ppt/notesSlides/notesSlide13.xml><?xml version="1.0" encoding="utf-8"?>
+<p:notes xmlns:a="http://schemas.openxmlformats.org/drawingml/2006/main" xmlns:r="http://schemas.openxmlformats.org/officeDocument/2006/relationships" xmlns:p="http://schemas.openxmlformats.org/presentationml/2006/main" showMasterSp="0" showMasterPhAnim="0">
+  <p:cSld>
+    <p:spTree>
+      <p:nvGrpSpPr>
+        <p:cNvPr id="1" name="Shape 119"/>
+        <p:cNvGrpSpPr/>
+        <p:nvPr/>
+      </p:nvGrpSpPr>
+      <p:grpSpPr>
+        <a:xfrm>
+          <a:off x="0" y="0"/>
+          <a:ext cx="0" cy="0"/>
+          <a:chOff x="0" y="0"/>
+          <a:chExt cx="0" cy="0"/>
+        </a:xfrm>
+      </p:grpSpPr>
+      <p:sp>
+        <p:nvSpPr>
+          <p:cNvPr id="120" name="Shape 120"/>
+          <p:cNvSpPr>
+            <a:spLocks noGrp="1" noRot="1" noChangeAspect="1"/>
+          </p:cNvSpPr>
+          <p:nvPr>
+            <p:ph type="sldImg" idx="2"/>
+          </p:nvPr>
+        </p:nvSpPr>
+        <p:spPr>
+          <a:xfrm>
+            <a:off x="1143000" y="685800"/>
+            <a:ext cx="4572000" cy="3429000"/>
+          </a:xfrm>
+          <a:custGeom>
+            <a:avLst/>
+            <a:gdLst/>
+            <a:ahLst/>
+            <a:cxnLst/>
+            <a:rect l="0" t="0" r="0" b="0"/>
+            <a:pathLst>
+              <a:path w="120000" h="120000" extrusionOk="0">
+                <a:moveTo>
+                  <a:pt x="0" y="0"/>
+                </a:moveTo>
+                <a:lnTo>
+                  <a:pt x="120000" y="0"/>
+                </a:lnTo>
+                <a:lnTo>
+                  <a:pt x="120000" y="120000"/>
+                </a:lnTo>
+                <a:lnTo>
+                  <a:pt x="0" y="120000"/>
+                </a:lnTo>
+                <a:close/>
+              </a:path>
+            </a:pathLst>
+          </a:custGeom>
+        </p:spPr>
+      </p:sp>
+      <p:sp>
+        <p:nvSpPr>
+          <p:cNvPr id="121" name="Shape 121"/>
+          <p:cNvSpPr txBox="1">
+            <a:spLocks noGrp="1"/>
+          </p:cNvSpPr>
+          <p:nvPr>
+            <p:ph type="body" idx="1"/>
+          </p:nvPr>
+        </p:nvSpPr>
+        <p:spPr>
+          <a:xfrm>
+            <a:off x="685800" y="4343400"/>
+            <a:ext cx="5486399" cy="4114800"/>
+          </a:xfrm>
+          <a:prstGeom prst="rect">
+            <a:avLst/>
+          </a:prstGeom>
+        </p:spPr>
+        <p:txBody>
+          <a:bodyPr lIns="91425" tIns="91425" rIns="91425" bIns="91425" anchor="t" anchorCtr="0">
+            <a:noAutofit/>
+          </a:bodyPr>
+          <a:lstStyle/>
+          <a:p>
+            <a:endParaRPr/>
+          </a:p>
+        </p:txBody>
+      </p:sp>
+    </p:spTree>
+    <p:extLst>
+      <p:ext uri="{BB962C8B-B14F-4D97-AF65-F5344CB8AC3E}">
+        <p14:creationId xmlns:p14="http://schemas.microsoft.com/office/powerpoint/2010/main" val="3340801946"/>
+      </p:ext>
+    </p:extLst>
+  </p:cSld>
+  <p:clrMapOvr>
+    <a:masterClrMapping/>
+  </p:clrMapOvr>
+</p:notes>
+</file>
+
+<file path=ppt/notesSlides/notesSlide14.xml><?xml version="1.0" encoding="utf-8"?>
+<p:notes xmlns:a="http://schemas.openxmlformats.org/drawingml/2006/main" xmlns:r="http://schemas.openxmlformats.org/officeDocument/2006/relationships" xmlns:p="http://schemas.openxmlformats.org/presentationml/2006/main" showMasterSp="0" showMasterPhAnim="0">
+  <p:cSld>
+    <p:spTree>
+      <p:nvGrpSpPr>
+        <p:cNvPr id="1" name="Shape 119"/>
+        <p:cNvGrpSpPr/>
+        <p:nvPr/>
+      </p:nvGrpSpPr>
+      <p:grpSpPr>
+        <a:xfrm>
+          <a:off x="0" y="0"/>
+          <a:ext cx="0" cy="0"/>
+          <a:chOff x="0" y="0"/>
+          <a:chExt cx="0" cy="0"/>
+        </a:xfrm>
+      </p:grpSpPr>
+      <p:sp>
+        <p:nvSpPr>
+          <p:cNvPr id="120" name="Shape 120"/>
+          <p:cNvSpPr>
+            <a:spLocks noGrp="1" noRot="1" noChangeAspect="1"/>
+          </p:cNvSpPr>
+          <p:nvPr>
+            <p:ph type="sldImg" idx="2"/>
+          </p:nvPr>
+        </p:nvSpPr>
+        <p:spPr>
+          <a:xfrm>
+            <a:off x="1143000" y="685800"/>
+            <a:ext cx="4572000" cy="3429000"/>
+          </a:xfrm>
+          <a:custGeom>
+            <a:avLst/>
+            <a:gdLst/>
+            <a:ahLst/>
+            <a:cxnLst/>
+            <a:rect l="0" t="0" r="0" b="0"/>
+            <a:pathLst>
+              <a:path w="120000" h="120000" extrusionOk="0">
+                <a:moveTo>
+                  <a:pt x="0" y="0"/>
+                </a:moveTo>
+                <a:lnTo>
+                  <a:pt x="120000" y="0"/>
+                </a:lnTo>
+                <a:lnTo>
+                  <a:pt x="120000" y="120000"/>
+                </a:lnTo>
+                <a:lnTo>
+                  <a:pt x="0" y="120000"/>
+                </a:lnTo>
+                <a:close/>
+              </a:path>
+            </a:pathLst>
+          </a:custGeom>
+        </p:spPr>
+      </p:sp>
+      <p:sp>
+        <p:nvSpPr>
+          <p:cNvPr id="121" name="Shape 121"/>
+          <p:cNvSpPr txBox="1">
+            <a:spLocks noGrp="1"/>
+          </p:cNvSpPr>
+          <p:nvPr>
+            <p:ph type="body" idx="1"/>
+          </p:nvPr>
+        </p:nvSpPr>
+        <p:spPr>
+          <a:xfrm>
+            <a:off x="685800" y="4343400"/>
+            <a:ext cx="5486399" cy="4114800"/>
+          </a:xfrm>
+          <a:prstGeom prst="rect">
+            <a:avLst/>
+          </a:prstGeom>
+        </p:spPr>
+        <p:txBody>
+          <a:bodyPr lIns="91425" tIns="91425" rIns="91425" bIns="91425" anchor="t" anchorCtr="0">
+            <a:noAutofit/>
+          </a:bodyPr>
+          <a:lstStyle/>
+          <a:p>
+            <a:endParaRPr/>
+          </a:p>
+        </p:txBody>
+      </p:sp>
+    </p:spTree>
+    <p:extLst>
+      <p:ext uri="{BB962C8B-B14F-4D97-AF65-F5344CB8AC3E}">
+        <p14:creationId xmlns:p14="http://schemas.microsoft.com/office/powerpoint/2010/main" val="3179026491"/>
+      </p:ext>
+    </p:extLst>
+  </p:cSld>
+  <p:clrMapOvr>
+    <a:masterClrMapping/>
+  </p:clrMapOvr>
+</p:notes>
+</file>
+
+<file path=ppt/notesSlides/notesSlide15.xml><?xml version="1.0" encoding="utf-8"?>
+<p:notes xmlns:a="http://schemas.openxmlformats.org/drawingml/2006/main" xmlns:r="http://schemas.openxmlformats.org/officeDocument/2006/relationships" xmlns:p="http://schemas.openxmlformats.org/presentationml/2006/main" showMasterSp="0" showMasterPhAnim="0">
+  <p:cSld>
+    <p:spTree>
+      <p:nvGrpSpPr>
+        <p:cNvPr id="1" name="Shape 119"/>
+        <p:cNvGrpSpPr/>
+        <p:nvPr/>
+      </p:nvGrpSpPr>
+      <p:grpSpPr>
+        <a:xfrm>
+          <a:off x="0" y="0"/>
+          <a:ext cx="0" cy="0"/>
+          <a:chOff x="0" y="0"/>
+          <a:chExt cx="0" cy="0"/>
+        </a:xfrm>
+      </p:grpSpPr>
+      <p:sp>
+        <p:nvSpPr>
+          <p:cNvPr id="120" name="Shape 120"/>
+          <p:cNvSpPr>
+            <a:spLocks noGrp="1" noRot="1" noChangeAspect="1"/>
+          </p:cNvSpPr>
+          <p:nvPr>
+            <p:ph type="sldImg" idx="2"/>
+          </p:nvPr>
+        </p:nvSpPr>
+        <p:spPr>
+          <a:xfrm>
+            <a:off x="1143000" y="685800"/>
+            <a:ext cx="4572000" cy="3429000"/>
+          </a:xfrm>
+          <a:custGeom>
+            <a:avLst/>
+            <a:gdLst/>
+            <a:ahLst/>
+            <a:cxnLst/>
+            <a:rect l="0" t="0" r="0" b="0"/>
+            <a:pathLst>
+              <a:path w="120000" h="120000" extrusionOk="0">
+                <a:moveTo>
+                  <a:pt x="0" y="0"/>
+                </a:moveTo>
+                <a:lnTo>
+                  <a:pt x="120000" y="0"/>
+                </a:lnTo>
+                <a:lnTo>
+                  <a:pt x="120000" y="120000"/>
+                </a:lnTo>
+                <a:lnTo>
+                  <a:pt x="0" y="120000"/>
+                </a:lnTo>
+                <a:close/>
+              </a:path>
+            </a:pathLst>
+          </a:custGeom>
+        </p:spPr>
+      </p:sp>
+      <p:sp>
+        <p:nvSpPr>
+          <p:cNvPr id="121" name="Shape 121"/>
+          <p:cNvSpPr txBox="1">
+            <a:spLocks noGrp="1"/>
+          </p:cNvSpPr>
+          <p:nvPr>
+            <p:ph type="body" idx="1"/>
+          </p:nvPr>
+        </p:nvSpPr>
+        <p:spPr>
+          <a:xfrm>
+            <a:off x="685800" y="4343400"/>
+            <a:ext cx="5486399" cy="4114800"/>
+          </a:xfrm>
+          <a:prstGeom prst="rect">
+            <a:avLst/>
+          </a:prstGeom>
+        </p:spPr>
+        <p:txBody>
+          <a:bodyPr lIns="91425" tIns="91425" rIns="91425" bIns="91425" anchor="t" anchorCtr="0">
+            <a:noAutofit/>
+          </a:bodyPr>
+          <a:lstStyle/>
+          <a:p>
+            <a:endParaRPr/>
+          </a:p>
+        </p:txBody>
+      </p:sp>
+    </p:spTree>
+    <p:extLst>
+      <p:ext uri="{BB962C8B-B14F-4D97-AF65-F5344CB8AC3E}">
+        <p14:creationId xmlns:p14="http://schemas.microsoft.com/office/powerpoint/2010/main" val="2722402866"/>
+      </p:ext>
+    </p:extLst>
+  </p:cSld>
+  <p:clrMapOvr>
+    <a:masterClrMapping/>
+  </p:clrMapOvr>
+</p:notes>
+</file>
+
+<file path=ppt/notesSlides/notesSlide16.xml><?xml version="1.0" encoding="utf-8"?>
+<p:notes xmlns:a="http://schemas.openxmlformats.org/drawingml/2006/main" xmlns:r="http://schemas.openxmlformats.org/officeDocument/2006/relationships" xmlns:p="http://schemas.openxmlformats.org/presentationml/2006/main" showMasterSp="0" showMasterPhAnim="0">
+  <p:cSld>
+    <p:spTree>
+      <p:nvGrpSpPr>
+        <p:cNvPr id="1" name="Shape 119"/>
+        <p:cNvGrpSpPr/>
+        <p:nvPr/>
+      </p:nvGrpSpPr>
+      <p:grpSpPr>
+        <a:xfrm>
+          <a:off x="0" y="0"/>
+          <a:ext cx="0" cy="0"/>
+          <a:chOff x="0" y="0"/>
+          <a:chExt cx="0" cy="0"/>
+        </a:xfrm>
+      </p:grpSpPr>
+      <p:sp>
+        <p:nvSpPr>
+          <p:cNvPr id="120" name="Shape 120"/>
+          <p:cNvSpPr>
+            <a:spLocks noGrp="1" noRot="1" noChangeAspect="1"/>
+          </p:cNvSpPr>
+          <p:nvPr>
+            <p:ph type="sldImg" idx="2"/>
+          </p:nvPr>
+        </p:nvSpPr>
+        <p:spPr>
+          <a:xfrm>
+            <a:off x="1143000" y="685800"/>
+            <a:ext cx="4572000" cy="3429000"/>
+          </a:xfrm>
+          <a:custGeom>
+            <a:avLst/>
+            <a:gdLst/>
+            <a:ahLst/>
+            <a:cxnLst/>
+            <a:rect l="0" t="0" r="0" b="0"/>
+            <a:pathLst>
+              <a:path w="120000" h="120000" extrusionOk="0">
+                <a:moveTo>
+                  <a:pt x="0" y="0"/>
+                </a:moveTo>
+                <a:lnTo>
+                  <a:pt x="120000" y="0"/>
+                </a:lnTo>
+                <a:lnTo>
+                  <a:pt x="120000" y="120000"/>
+                </a:lnTo>
+                <a:lnTo>
+                  <a:pt x="0" y="120000"/>
+                </a:lnTo>
+                <a:close/>
+              </a:path>
+            </a:pathLst>
+          </a:custGeom>
+        </p:spPr>
+      </p:sp>
+      <p:sp>
+        <p:nvSpPr>
+          <p:cNvPr id="121" name="Shape 121"/>
+          <p:cNvSpPr txBox="1">
+            <a:spLocks noGrp="1"/>
+          </p:cNvSpPr>
+          <p:nvPr>
+            <p:ph type="body" idx="1"/>
+          </p:nvPr>
+        </p:nvSpPr>
+        <p:spPr>
+          <a:xfrm>
+            <a:off x="685800" y="4343400"/>
+            <a:ext cx="5486399" cy="4114800"/>
+          </a:xfrm>
+          <a:prstGeom prst="rect">
+            <a:avLst/>
+          </a:prstGeom>
+        </p:spPr>
+        <p:txBody>
+          <a:bodyPr lIns="91425" tIns="91425" rIns="91425" bIns="91425" anchor="t" anchorCtr="0">
+            <a:noAutofit/>
+          </a:bodyPr>
+          <a:lstStyle/>
+          <a:p>
+            <a:endParaRPr/>
+          </a:p>
+        </p:txBody>
+      </p:sp>
+    </p:spTree>
+    <p:extLst>
+      <p:ext uri="{BB962C8B-B14F-4D97-AF65-F5344CB8AC3E}">
+        <p14:creationId xmlns:p14="http://schemas.microsoft.com/office/powerpoint/2010/main" val="1991940272"/>
+      </p:ext>
+    </p:extLst>
+  </p:cSld>
+  <p:clrMapOvr>
+    <a:masterClrMapping/>
+  </p:clrMapOvr>
+</p:notes>
+</file>
+
+<file path=ppt/notesSlides/notesSlide17.xml><?xml version="1.0" encoding="utf-8"?>
+<p:notes xmlns:a="http://schemas.openxmlformats.org/drawingml/2006/main" xmlns:r="http://schemas.openxmlformats.org/officeDocument/2006/relationships" xmlns:p="http://schemas.openxmlformats.org/presentationml/2006/main" showMasterSp="0" showMasterPhAnim="0">
+  <p:cSld>
+    <p:spTree>
+      <p:nvGrpSpPr>
+        <p:cNvPr id="1" name="Shape 227"/>
+        <p:cNvGrpSpPr/>
+        <p:nvPr/>
+      </p:nvGrpSpPr>
+      <p:grpSpPr>
+        <a:xfrm>
+          <a:off x="0" y="0"/>
+          <a:ext cx="0" cy="0"/>
+          <a:chOff x="0" y="0"/>
+          <a:chExt cx="0" cy="0"/>
+        </a:xfrm>
+      </p:grpSpPr>
+      <p:sp>
+        <p:nvSpPr>
+          <p:cNvPr id="228" name="Shape 228"/>
+          <p:cNvSpPr>
+            <a:spLocks noGrp="1" noRot="1" noChangeAspect="1"/>
+          </p:cNvSpPr>
+          <p:nvPr>
+            <p:ph type="sldImg" idx="2"/>
+          </p:nvPr>
+        </p:nvSpPr>
+        <p:spPr>
+          <a:xfrm>
+            <a:off x="1143000" y="685800"/>
+            <a:ext cx="4572000" cy="3429000"/>
+          </a:xfrm>
+          <a:custGeom>
+            <a:avLst/>
+            <a:gdLst/>
+            <a:ahLst/>
+            <a:cxnLst/>
+            <a:rect l="0" t="0" r="0" b="0"/>
+            <a:pathLst>
+              <a:path w="120000" h="120000" extrusionOk="0">
+                <a:moveTo>
+                  <a:pt x="0" y="0"/>
+                </a:moveTo>
+                <a:lnTo>
+                  <a:pt x="120000" y="0"/>
+                </a:lnTo>
+                <a:lnTo>
+                  <a:pt x="120000" y="120000"/>
+                </a:lnTo>
+                <a:lnTo>
+                  <a:pt x="0" y="120000"/>
+                </a:lnTo>
+                <a:close/>
+              </a:path>
+            </a:pathLst>
+          </a:custGeom>
+        </p:spPr>
+      </p:sp>
+      <p:sp>
+        <p:nvSpPr>
           <p:cNvPr id="229" name="Shape 229"/>
           <p:cNvSpPr txBox="1">
             <a:spLocks noGrp="1"/>
@@ -822,6 +1358,11 @@
         </p:txBody>
       </p:sp>
     </p:spTree>
+    <p:extLst>
+      <p:ext uri="{BB962C8B-B14F-4D97-AF65-F5344CB8AC3E}">
+        <p14:creationId xmlns:p14="http://schemas.microsoft.com/office/powerpoint/2010/main" val="2350438782"/>
+      </p:ext>
+    </p:extLst>
   </p:cSld>
   <p:clrMapOvr>
     <a:masterClrMapping/>
@@ -917,6 +1458,11 @@
         </p:txBody>
       </p:sp>
     </p:spTree>
+    <p:extLst>
+      <p:ext uri="{BB962C8B-B14F-4D97-AF65-F5344CB8AC3E}">
+        <p14:creationId xmlns:p14="http://schemas.microsoft.com/office/powerpoint/2010/main" val="1787422178"/>
+      </p:ext>
+    </p:extLst>
   </p:cSld>
   <p:clrMapOvr>
     <a:masterClrMapping/>
@@ -1012,6 +1558,11 @@
         </p:txBody>
       </p:sp>
     </p:spTree>
+    <p:extLst>
+      <p:ext uri="{BB962C8B-B14F-4D97-AF65-F5344CB8AC3E}">
+        <p14:creationId xmlns:p14="http://schemas.microsoft.com/office/powerpoint/2010/main" val="2582897288"/>
+      </p:ext>
+    </p:extLst>
   </p:cSld>
   <p:clrMapOvr>
     <a:masterClrMapping/>
@@ -1107,6 +1658,11 @@
         </p:txBody>
       </p:sp>
     </p:spTree>
+    <p:extLst>
+      <p:ext uri="{BB962C8B-B14F-4D97-AF65-F5344CB8AC3E}">
+        <p14:creationId xmlns:p14="http://schemas.microsoft.com/office/powerpoint/2010/main" val="1178170957"/>
+      </p:ext>
+    </p:extLst>
   </p:cSld>
   <p:clrMapOvr>
     <a:masterClrMapping/>
@@ -1202,6 +1758,11 @@
         </p:txBody>
       </p:sp>
     </p:spTree>
+    <p:extLst>
+      <p:ext uri="{BB962C8B-B14F-4D97-AF65-F5344CB8AC3E}">
+        <p14:creationId xmlns:p14="http://schemas.microsoft.com/office/powerpoint/2010/main" val="1039230576"/>
+      </p:ext>
+    </p:extLst>
   </p:cSld>
   <p:clrMapOvr>
     <a:masterClrMapping/>
@@ -1297,6 +1858,11 @@
         </p:txBody>
       </p:sp>
     </p:spTree>
+    <p:extLst>
+      <p:ext uri="{BB962C8B-B14F-4D97-AF65-F5344CB8AC3E}">
+        <p14:creationId xmlns:p14="http://schemas.microsoft.com/office/powerpoint/2010/main" val="1369477103"/>
+      </p:ext>
+    </p:extLst>
   </p:cSld>
   <p:clrMapOvr>
     <a:masterClrMapping/>
@@ -1392,6 +1958,11 @@
         </p:txBody>
       </p:sp>
     </p:spTree>
+    <p:extLst>
+      <p:ext uri="{BB962C8B-B14F-4D97-AF65-F5344CB8AC3E}">
+        <p14:creationId xmlns:p14="http://schemas.microsoft.com/office/powerpoint/2010/main" val="544548531"/>
+      </p:ext>
+    </p:extLst>
   </p:cSld>
   <p:clrMapOvr>
     <a:masterClrMapping/>
@@ -1487,6 +2058,11 @@
         </p:txBody>
       </p:sp>
     </p:spTree>
+    <p:extLst>
+      <p:ext uri="{BB962C8B-B14F-4D97-AF65-F5344CB8AC3E}">
+        <p14:creationId xmlns:p14="http://schemas.microsoft.com/office/powerpoint/2010/main" val="3471238823"/>
+      </p:ext>
+    </p:extLst>
   </p:cSld>
   <p:clrMapOvr>
     <a:masterClrMapping/>
@@ -1582,6 +2158,11 @@
         </p:txBody>
       </p:sp>
     </p:spTree>
+    <p:extLst>
+      <p:ext uri="{BB962C8B-B14F-4D97-AF65-F5344CB8AC3E}">
+        <p14:creationId xmlns:p14="http://schemas.microsoft.com/office/powerpoint/2010/main" val="3362515371"/>
+      </p:ext>
+    </p:extLst>
   </p:cSld>
   <p:clrMapOvr>
     <a:masterClrMapping/>
@@ -4317,8 +4898,12 @@
               <a:buNone/>
             </a:pPr>
             <a:r>
+              <a:rPr lang="en" dirty="0"/>
+              <a:t>V</a:t>
+            </a:r>
+            <a:r>
               <a:rPr lang="en" dirty="0" smtClean="0"/>
-              <a:t>Transaction</a:t>
+              <a:t>iew</a:t>
             </a:r>
             <a:endParaRPr lang="en" dirty="0"/>
           </a:p>
@@ -4376,8 +4961,8 @@
         </p:nvSpPr>
         <p:spPr>
           <a:xfrm>
-            <a:off x="304800" y="2552138"/>
-            <a:ext cx="8534400" cy="1791260"/>
+            <a:off x="304800" y="2544064"/>
+            <a:ext cx="8534400" cy="770147"/>
           </a:xfrm>
           <a:prstGeom prst="rect">
             <a:avLst/>
@@ -4397,34 +4982,52 @@
               <a:buChar char="•"/>
             </a:pPr>
             <a:r>
-              <a:rPr lang="pt-BR" sz="2400" dirty="0" smtClean="0"/>
-              <a:t>Tratamento de transações durante a inserção de dados nas tabelas com dependência de chaves</a:t>
-            </a:r>
-          </a:p>
-          <a:p>
-            <a:pPr algn="just">
-              <a:lnSpc>
-                <a:spcPct val="115000"/>
-              </a:lnSpc>
-            </a:pPr>
-            <a:endParaRPr lang="pt-BR" sz="2400" dirty="0"/>
-          </a:p>
-          <a:p>
-            <a:pPr marL="342900" indent="-342900" algn="just">
-              <a:lnSpc>
-                <a:spcPct val="115000"/>
-              </a:lnSpc>
-              <a:buFont typeface="Arial" pitchFamily="34" charset="0"/>
-              <a:buChar char="•"/>
-            </a:pPr>
-            <a:endParaRPr lang="pt-BR" sz="2400" dirty="0"/>
+              <a:rPr lang="pt-BR" sz="2000" dirty="0"/>
+              <a:t>VW_ANALISE_JOGADORES </a:t>
+            </a:r>
+            <a:r>
+              <a:rPr lang="pt-BR" sz="2000" dirty="0" smtClean="0"/>
+              <a:t>(</a:t>
+            </a:r>
+            <a:r>
+              <a:rPr lang="pt-BR" sz="2000" dirty="0" err="1" smtClean="0"/>
+              <a:t>Nome_jogador</a:t>
+            </a:r>
+            <a:r>
+              <a:rPr lang="pt-BR" sz="2000" dirty="0"/>
+              <a:t>, gols, </a:t>
+            </a:r>
+            <a:r>
+              <a:rPr lang="pt-BR" sz="2000" dirty="0" err="1"/>
+              <a:t>Nome_equipe</a:t>
+            </a:r>
+            <a:r>
+              <a:rPr lang="pt-BR" sz="2000" dirty="0"/>
+              <a:t>, </a:t>
+            </a:r>
+            <a:r>
+              <a:rPr lang="pt-BR" sz="2000" dirty="0" err="1"/>
+              <a:t>cartoes_amarelo</a:t>
+            </a:r>
+            <a:r>
+              <a:rPr lang="pt-BR" sz="2000" dirty="0"/>
+              <a:t>, </a:t>
+            </a:r>
+            <a:r>
+              <a:rPr lang="pt-BR" sz="2000" dirty="0" err="1"/>
+              <a:t>cartoes_vermelho</a:t>
+            </a:r>
+            <a:r>
+              <a:rPr lang="pt-BR" sz="2000" dirty="0"/>
+              <a:t>)</a:t>
+            </a:r>
           </a:p>
         </p:txBody>
       </p:sp>
     </p:spTree>
     <p:extLst>
       <p:ext uri="{BB962C8B-B14F-4D97-AF65-F5344CB8AC3E}">
-        <p14:creationId xmlns:p14="http://schemas.microsoft.com/office/powerpoint/2010/main" val="452494042"/>
+        <p14:creationId xmlns:p14="http://schemas.microsoft.com/office/powerpoint/2010/main" val="1368824273"/>
       </p:ext>
     </p:extLst>
   </p:cSld>
@@ -4491,7 +5094,7 @@
             </a:pPr>
             <a:r>
               <a:rPr lang="en" dirty="0" smtClean="0"/>
-              <a:t>Tabela de pontuação</a:t>
+              <a:t>Package</a:t>
             </a:r>
             <a:endParaRPr lang="en" dirty="0"/>
           </a:p>
@@ -4541,6 +5144,678 @@
           </a:blipFill>
         </p:spPr>
       </p:sp>
+      <p:sp>
+        <p:nvSpPr>
+          <p:cNvPr id="6" name="Rectangle 1"/>
+          <p:cNvSpPr/>
+          <p:nvPr/>
+        </p:nvSpPr>
+        <p:spPr>
+          <a:xfrm>
+            <a:off x="304800" y="2544064"/>
+            <a:ext cx="8534400" cy="2569934"/>
+          </a:xfrm>
+          <a:prstGeom prst="rect">
+            <a:avLst/>
+          </a:prstGeom>
+        </p:spPr>
+        <p:txBody>
+          <a:bodyPr wrap="square">
+            <a:spAutoFit/>
+          </a:bodyPr>
+          <a:lstStyle/>
+          <a:p>
+            <a:pPr marL="342900" indent="-342900" algn="just">
+              <a:lnSpc>
+                <a:spcPct val="115000"/>
+              </a:lnSpc>
+              <a:buFont typeface="Arial" pitchFamily="34" charset="0"/>
+              <a:buChar char="•"/>
+            </a:pPr>
+            <a:r>
+              <a:rPr lang="pt-BR" sz="2000" dirty="0" smtClean="0"/>
+              <a:t>PKG_JOGO</a:t>
+            </a:r>
+          </a:p>
+          <a:p>
+            <a:pPr marL="342900" indent="-342900" algn="just">
+              <a:lnSpc>
+                <a:spcPct val="115000"/>
+              </a:lnSpc>
+              <a:buFont typeface="Arial" pitchFamily="34" charset="0"/>
+              <a:buChar char="•"/>
+            </a:pPr>
+            <a:endParaRPr lang="pt-BR" sz="2000" dirty="0"/>
+          </a:p>
+          <a:p>
+            <a:pPr marL="342900" indent="-342900" algn="just">
+              <a:lnSpc>
+                <a:spcPct val="115000"/>
+              </a:lnSpc>
+              <a:buFont typeface="Arial" pitchFamily="34" charset="0"/>
+              <a:buChar char="•"/>
+            </a:pPr>
+            <a:endParaRPr lang="pt-BR" sz="2000" dirty="0" smtClean="0"/>
+          </a:p>
+          <a:p>
+            <a:pPr marL="342900" indent="-342900" algn="just">
+              <a:lnSpc>
+                <a:spcPct val="115000"/>
+              </a:lnSpc>
+              <a:buFont typeface="Arial" pitchFamily="34" charset="0"/>
+              <a:buChar char="•"/>
+            </a:pPr>
+            <a:endParaRPr lang="pt-BR" sz="2000" dirty="0"/>
+          </a:p>
+          <a:p>
+            <a:pPr marL="342900" indent="-342900" algn="just">
+              <a:lnSpc>
+                <a:spcPct val="115000"/>
+              </a:lnSpc>
+              <a:buFont typeface="Arial" pitchFamily="34" charset="0"/>
+              <a:buChar char="•"/>
+            </a:pPr>
+            <a:r>
+              <a:rPr lang="pt-BR" sz="2000" dirty="0" smtClean="0"/>
+              <a:t>PKG_TABELA</a:t>
+            </a:r>
+          </a:p>
+          <a:p>
+            <a:pPr algn="just">
+              <a:lnSpc>
+                <a:spcPct val="115000"/>
+              </a:lnSpc>
+            </a:pPr>
+            <a:endParaRPr lang="pt-BR" sz="2000" dirty="0" smtClean="0"/>
+          </a:p>
+          <a:p>
+            <a:pPr algn="just">
+              <a:lnSpc>
+                <a:spcPct val="115000"/>
+              </a:lnSpc>
+            </a:pPr>
+            <a:endParaRPr lang="pt-BR" sz="2000" dirty="0"/>
+          </a:p>
+        </p:txBody>
+      </p:sp>
+      <p:sp>
+        <p:nvSpPr>
+          <p:cNvPr id="2" name="CaixaDeTexto 1"/>
+          <p:cNvSpPr txBox="1"/>
+          <p:nvPr/>
+        </p:nvSpPr>
+        <p:spPr>
+          <a:xfrm>
+            <a:off x="965674" y="3021117"/>
+            <a:ext cx="3922519" cy="646331"/>
+          </a:xfrm>
+          <a:prstGeom prst="rect">
+            <a:avLst/>
+          </a:prstGeom>
+          <a:noFill/>
+        </p:spPr>
+        <p:txBody>
+          <a:bodyPr wrap="square" rtlCol="0">
+            <a:spAutoFit/>
+          </a:bodyPr>
+          <a:lstStyle/>
+          <a:p>
+            <a:pPr marL="285750" indent="-285750">
+              <a:buFont typeface="Arial" pitchFamily="34" charset="0"/>
+              <a:buChar char="•"/>
+            </a:pPr>
+            <a:r>
+              <a:rPr lang="pt-BR" sz="1800" dirty="0" smtClean="0"/>
+              <a:t>sp_insere_cartao</a:t>
+            </a:r>
+          </a:p>
+          <a:p>
+            <a:pPr marL="285750" indent="-285750">
+              <a:buFont typeface="Arial" pitchFamily="34" charset="0"/>
+              <a:buChar char="•"/>
+            </a:pPr>
+            <a:r>
+              <a:rPr lang="pt-BR" sz="1800" dirty="0"/>
+              <a:t>sp_insere_gol_partida</a:t>
+            </a:r>
+          </a:p>
+        </p:txBody>
+      </p:sp>
+      <p:sp>
+        <p:nvSpPr>
+          <p:cNvPr id="7" name="CaixaDeTexto 6"/>
+          <p:cNvSpPr txBox="1"/>
+          <p:nvPr/>
+        </p:nvSpPr>
+        <p:spPr>
+          <a:xfrm>
+            <a:off x="965674" y="4431081"/>
+            <a:ext cx="3922519" cy="369332"/>
+          </a:xfrm>
+          <a:prstGeom prst="rect">
+            <a:avLst/>
+          </a:prstGeom>
+          <a:noFill/>
+        </p:spPr>
+        <p:txBody>
+          <a:bodyPr wrap="square" rtlCol="0">
+            <a:spAutoFit/>
+          </a:bodyPr>
+          <a:lstStyle/>
+          <a:p>
+            <a:pPr marL="285750" indent="-285750">
+              <a:buFont typeface="Arial" pitchFamily="34" charset="0"/>
+              <a:buChar char="•"/>
+            </a:pPr>
+            <a:r>
+              <a:rPr lang="pt-BR" sz="1800" dirty="0" smtClean="0"/>
+              <a:t>Funções da Tabela</a:t>
+            </a:r>
+            <a:endParaRPr lang="pt-BR" sz="1800" dirty="0"/>
+          </a:p>
+        </p:txBody>
+      </p:sp>
+    </p:spTree>
+    <p:extLst>
+      <p:ext uri="{BB962C8B-B14F-4D97-AF65-F5344CB8AC3E}">
+        <p14:creationId xmlns:p14="http://schemas.microsoft.com/office/powerpoint/2010/main" val="882141872"/>
+      </p:ext>
+    </p:extLst>
+  </p:cSld>
+  <p:clrMapOvr>
+    <a:masterClrMapping/>
+  </p:clrMapOvr>
+  <p:transition spd="slow">
+    <p:cut/>
+  </p:transition>
+  <p:timing>
+    <p:tnLst>
+      <p:par>
+        <p:cTn id="1" dur="indefinite" restart="never" nodeType="tmRoot"/>
+      </p:par>
+    </p:tnLst>
+  </p:timing>
+</p:sld>
+</file>
+
+<file path=ppt/slides/slide12.xml><?xml version="1.0" encoding="utf-8"?>
+<p:sld xmlns:a="http://schemas.openxmlformats.org/drawingml/2006/main" xmlns:r="http://schemas.openxmlformats.org/officeDocument/2006/relationships" xmlns:p="http://schemas.openxmlformats.org/presentationml/2006/main">
+  <p:cSld>
+    <p:spTree>
+      <p:nvGrpSpPr>
+        <p:cNvPr id="1" name="Shape 114"/>
+        <p:cNvGrpSpPr/>
+        <p:nvPr/>
+      </p:nvGrpSpPr>
+      <p:grpSpPr>
+        <a:xfrm>
+          <a:off x="0" y="0"/>
+          <a:ext cx="0" cy="0"/>
+          <a:chOff x="0" y="0"/>
+          <a:chExt cx="0" cy="0"/>
+        </a:xfrm>
+      </p:grpSpPr>
+      <p:sp>
+        <p:nvSpPr>
+          <p:cNvPr id="115" name="Shape 115"/>
+          <p:cNvSpPr txBox="1">
+            <a:spLocks noGrp="1"/>
+          </p:cNvSpPr>
+          <p:nvPr>
+            <p:ph type="title"/>
+          </p:nvPr>
+        </p:nvSpPr>
+        <p:spPr>
+          <a:xfrm>
+            <a:off x="457200" y="644771"/>
+            <a:ext cx="8229600" cy="1143000"/>
+          </a:xfrm>
+          <a:prstGeom prst="rect">
+            <a:avLst/>
+          </a:prstGeom>
+        </p:spPr>
+        <p:txBody>
+          <a:bodyPr lIns="91425" tIns="91425" rIns="91425" bIns="91425" anchor="b" anchorCtr="0">
+            <a:noAutofit/>
+          </a:bodyPr>
+          <a:lstStyle/>
+          <a:p>
+            <a:pPr lvl="0" algn="ctr" rtl="0">
+              <a:buNone/>
+            </a:pPr>
+            <a:r>
+              <a:rPr lang="en" dirty="0" smtClean="0"/>
+              <a:t>Objeto Relacional</a:t>
+            </a:r>
+            <a:endParaRPr lang="en" dirty="0"/>
+          </a:p>
+        </p:txBody>
+      </p:sp>
+      <p:sp>
+        <p:nvSpPr>
+          <p:cNvPr id="117" name="Shape 117"/>
+          <p:cNvSpPr/>
+          <p:nvPr/>
+        </p:nvSpPr>
+        <p:spPr>
+          <a:xfrm>
+            <a:off x="0" y="0"/>
+            <a:ext cx="9144000" cy="1046300"/>
+          </a:xfrm>
+          <a:prstGeom prst="rect">
+            <a:avLst/>
+          </a:prstGeom>
+          <a:blipFill>
+            <a:blip r:embed="rId3"/>
+            <a:stretch>
+              <a:fillRect/>
+            </a:stretch>
+          </a:blipFill>
+        </p:spPr>
+      </p:sp>
+      <p:sp>
+        <p:nvSpPr>
+          <p:cNvPr id="118" name="Shape 118"/>
+          <p:cNvSpPr/>
+          <p:nvPr/>
+        </p:nvSpPr>
+        <p:spPr>
+          <a:xfrm>
+            <a:off x="0" y="6543675"/>
+            <a:ext cx="9144000" cy="314325"/>
+          </a:xfrm>
+          <a:prstGeom prst="rect">
+            <a:avLst/>
+          </a:prstGeom>
+          <a:blipFill>
+            <a:blip r:embed="rId4"/>
+            <a:stretch>
+              <a:fillRect/>
+            </a:stretch>
+          </a:blipFill>
+        </p:spPr>
+      </p:sp>
+      <p:sp>
+        <p:nvSpPr>
+          <p:cNvPr id="5" name="Rectangle 1"/>
+          <p:cNvSpPr/>
+          <p:nvPr/>
+        </p:nvSpPr>
+        <p:spPr>
+          <a:xfrm>
+            <a:off x="304800" y="2552138"/>
+            <a:ext cx="8534400" cy="2363724"/>
+          </a:xfrm>
+          <a:prstGeom prst="rect">
+            <a:avLst/>
+          </a:prstGeom>
+        </p:spPr>
+        <p:txBody>
+          <a:bodyPr wrap="square">
+            <a:spAutoFit/>
+          </a:bodyPr>
+          <a:lstStyle/>
+          <a:p>
+            <a:pPr marL="342900" lvl="0" indent="-342900">
+              <a:buFont typeface="Arial" pitchFamily="34" charset="0"/>
+              <a:buChar char="•"/>
+            </a:pPr>
+            <a:r>
+              <a:rPr lang="pt-BR" sz="2400" dirty="0"/>
+              <a:t>t_obj_classificacao (nome_time, pontuacao, qtd_jogos, qtd_vitorias, qtd_empates, qtd_derrotas, gols_pro, gols_contra, gols_saldo, aproveitamento</a:t>
+            </a:r>
+            <a:r>
+              <a:rPr lang="pt-BR" sz="2400" dirty="0" smtClean="0"/>
+              <a:t>)</a:t>
+            </a:r>
+          </a:p>
+          <a:p>
+            <a:pPr marL="342900" lvl="0" indent="-342900">
+              <a:buFont typeface="Arial" pitchFamily="34" charset="0"/>
+              <a:buChar char="•"/>
+            </a:pPr>
+            <a:endParaRPr lang="pt-BR" sz="2400" dirty="0"/>
+          </a:p>
+          <a:p>
+            <a:pPr marL="342900" lvl="0" indent="-342900">
+              <a:buFont typeface="Arial" pitchFamily="34" charset="0"/>
+              <a:buChar char="•"/>
+            </a:pPr>
+            <a:r>
+              <a:rPr lang="pt-BR" sz="2400" dirty="0" smtClean="0"/>
+              <a:t>t_ret_classificacao (t_obj_classificacao)</a:t>
+            </a:r>
+            <a:endParaRPr lang="pt-BR" sz="2400" dirty="0"/>
+          </a:p>
+          <a:p>
+            <a:pPr marL="342900" indent="-342900" algn="just">
+              <a:lnSpc>
+                <a:spcPct val="115000"/>
+              </a:lnSpc>
+              <a:buFont typeface="Arial" pitchFamily="34" charset="0"/>
+              <a:buChar char="•"/>
+            </a:pPr>
+            <a:endParaRPr lang="pt-BR" sz="2400" dirty="0"/>
+          </a:p>
+        </p:txBody>
+      </p:sp>
+    </p:spTree>
+    <p:extLst>
+      <p:ext uri="{BB962C8B-B14F-4D97-AF65-F5344CB8AC3E}">
+        <p14:creationId xmlns:p14="http://schemas.microsoft.com/office/powerpoint/2010/main" val="2961402335"/>
+      </p:ext>
+    </p:extLst>
+  </p:cSld>
+  <p:clrMapOvr>
+    <a:masterClrMapping/>
+  </p:clrMapOvr>
+  <p:transition spd="slow">
+    <p:cut/>
+  </p:transition>
+  <p:timing>
+    <p:tnLst>
+      <p:par>
+        <p:cTn id="1" dur="indefinite" restart="never" nodeType="tmRoot"/>
+      </p:par>
+    </p:tnLst>
+  </p:timing>
+</p:sld>
+</file>
+
+<file path=ppt/slides/slide13.xml><?xml version="1.0" encoding="utf-8"?>
+<p:sld xmlns:a="http://schemas.openxmlformats.org/drawingml/2006/main" xmlns:r="http://schemas.openxmlformats.org/officeDocument/2006/relationships" xmlns:p="http://schemas.openxmlformats.org/presentationml/2006/main">
+  <p:cSld>
+    <p:spTree>
+      <p:nvGrpSpPr>
+        <p:cNvPr id="1" name="Shape 114"/>
+        <p:cNvGrpSpPr/>
+        <p:nvPr/>
+      </p:nvGrpSpPr>
+      <p:grpSpPr>
+        <a:xfrm>
+          <a:off x="0" y="0"/>
+          <a:ext cx="0" cy="0"/>
+          <a:chOff x="0" y="0"/>
+          <a:chExt cx="0" cy="0"/>
+        </a:xfrm>
+      </p:grpSpPr>
+      <p:sp>
+        <p:nvSpPr>
+          <p:cNvPr id="115" name="Shape 115"/>
+          <p:cNvSpPr txBox="1">
+            <a:spLocks noGrp="1"/>
+          </p:cNvSpPr>
+          <p:nvPr>
+            <p:ph type="title"/>
+          </p:nvPr>
+        </p:nvSpPr>
+        <p:spPr>
+          <a:xfrm>
+            <a:off x="457200" y="644771"/>
+            <a:ext cx="8229600" cy="1143000"/>
+          </a:xfrm>
+          <a:prstGeom prst="rect">
+            <a:avLst/>
+          </a:prstGeom>
+        </p:spPr>
+        <p:txBody>
+          <a:bodyPr lIns="91425" tIns="91425" rIns="91425" bIns="91425" anchor="b" anchorCtr="0">
+            <a:noAutofit/>
+          </a:bodyPr>
+          <a:lstStyle/>
+          <a:p>
+            <a:pPr lvl="0" algn="ctr" rtl="0">
+              <a:buNone/>
+            </a:pPr>
+            <a:r>
+              <a:rPr lang="en" dirty="0" smtClean="0"/>
+              <a:t>Transaction</a:t>
+            </a:r>
+            <a:endParaRPr lang="en" dirty="0"/>
+          </a:p>
+        </p:txBody>
+      </p:sp>
+      <p:sp>
+        <p:nvSpPr>
+          <p:cNvPr id="117" name="Shape 117"/>
+          <p:cNvSpPr/>
+          <p:nvPr/>
+        </p:nvSpPr>
+        <p:spPr>
+          <a:xfrm>
+            <a:off x="0" y="0"/>
+            <a:ext cx="9144000" cy="1046300"/>
+          </a:xfrm>
+          <a:prstGeom prst="rect">
+            <a:avLst/>
+          </a:prstGeom>
+          <a:blipFill>
+            <a:blip r:embed="rId3"/>
+            <a:stretch>
+              <a:fillRect/>
+            </a:stretch>
+          </a:blipFill>
+        </p:spPr>
+      </p:sp>
+      <p:sp>
+        <p:nvSpPr>
+          <p:cNvPr id="118" name="Shape 118"/>
+          <p:cNvSpPr/>
+          <p:nvPr/>
+        </p:nvSpPr>
+        <p:spPr>
+          <a:xfrm>
+            <a:off x="0" y="6543675"/>
+            <a:ext cx="9144000" cy="314325"/>
+          </a:xfrm>
+          <a:prstGeom prst="rect">
+            <a:avLst/>
+          </a:prstGeom>
+          <a:blipFill>
+            <a:blip r:embed="rId4"/>
+            <a:stretch>
+              <a:fillRect/>
+            </a:stretch>
+          </a:blipFill>
+        </p:spPr>
+      </p:sp>
+      <p:sp>
+        <p:nvSpPr>
+          <p:cNvPr id="7" name="Rectangle 1"/>
+          <p:cNvSpPr/>
+          <p:nvPr/>
+        </p:nvSpPr>
+        <p:spPr>
+          <a:xfrm>
+            <a:off x="304800" y="2552138"/>
+            <a:ext cx="8534400" cy="1791260"/>
+          </a:xfrm>
+          <a:prstGeom prst="rect">
+            <a:avLst/>
+          </a:prstGeom>
+        </p:spPr>
+        <p:txBody>
+          <a:bodyPr wrap="square">
+            <a:spAutoFit/>
+          </a:bodyPr>
+          <a:lstStyle/>
+          <a:p>
+            <a:pPr marL="342900" indent="-342900" algn="just">
+              <a:lnSpc>
+                <a:spcPct val="115000"/>
+              </a:lnSpc>
+              <a:buFont typeface="Arial" pitchFamily="34" charset="0"/>
+              <a:buChar char="•"/>
+            </a:pPr>
+            <a:r>
+              <a:rPr lang="pt-BR" sz="2400" dirty="0" smtClean="0"/>
+              <a:t>Tratamento de transações durante a inserção de dados nas tabelas com dependência de chaves</a:t>
+            </a:r>
+          </a:p>
+          <a:p>
+            <a:pPr algn="just">
+              <a:lnSpc>
+                <a:spcPct val="115000"/>
+              </a:lnSpc>
+            </a:pPr>
+            <a:endParaRPr lang="pt-BR" sz="2400" dirty="0"/>
+          </a:p>
+          <a:p>
+            <a:pPr marL="342900" indent="-342900" algn="just">
+              <a:lnSpc>
+                <a:spcPct val="115000"/>
+              </a:lnSpc>
+              <a:buFont typeface="Arial" pitchFamily="34" charset="0"/>
+              <a:buChar char="•"/>
+            </a:pPr>
+            <a:endParaRPr lang="pt-BR" sz="2400" dirty="0"/>
+          </a:p>
+        </p:txBody>
+      </p:sp>
+    </p:spTree>
+    <p:extLst>
+      <p:ext uri="{BB962C8B-B14F-4D97-AF65-F5344CB8AC3E}">
+        <p14:creationId xmlns:p14="http://schemas.microsoft.com/office/powerpoint/2010/main" val="452494042"/>
+      </p:ext>
+    </p:extLst>
+  </p:cSld>
+  <p:clrMapOvr>
+    <a:masterClrMapping/>
+  </p:clrMapOvr>
+  <p:transition spd="slow">
+    <p:cut/>
+  </p:transition>
+  <p:timing>
+    <p:tnLst>
+      <p:par>
+        <p:cTn id="1" dur="indefinite" restart="never" nodeType="tmRoot"/>
+      </p:par>
+    </p:tnLst>
+  </p:timing>
+</p:sld>
+</file>
+
+<file path=ppt/slides/slide14.xml><?xml version="1.0" encoding="utf-8"?>
+<p:sld xmlns:a="http://schemas.openxmlformats.org/drawingml/2006/main" xmlns:r="http://schemas.openxmlformats.org/officeDocument/2006/relationships" xmlns:p="http://schemas.openxmlformats.org/presentationml/2006/main">
+  <p:cSld>
+    <p:spTree>
+      <p:nvGrpSpPr>
+        <p:cNvPr id="1" name="Shape 114"/>
+        <p:cNvGrpSpPr/>
+        <p:nvPr/>
+      </p:nvGrpSpPr>
+      <p:grpSpPr>
+        <a:xfrm>
+          <a:off x="0" y="0"/>
+          <a:ext cx="0" cy="0"/>
+          <a:chOff x="0" y="0"/>
+          <a:chExt cx="0" cy="0"/>
+        </a:xfrm>
+      </p:grpSpPr>
+      <p:sp>
+        <p:nvSpPr>
+          <p:cNvPr id="115" name="Shape 115"/>
+          <p:cNvSpPr txBox="1">
+            <a:spLocks noGrp="1"/>
+          </p:cNvSpPr>
+          <p:nvPr>
+            <p:ph type="title"/>
+          </p:nvPr>
+        </p:nvSpPr>
+        <p:spPr>
+          <a:xfrm>
+            <a:off x="457200" y="644771"/>
+            <a:ext cx="8229600" cy="1143000"/>
+          </a:xfrm>
+          <a:prstGeom prst="rect">
+            <a:avLst/>
+          </a:prstGeom>
+        </p:spPr>
+        <p:txBody>
+          <a:bodyPr lIns="91425" tIns="91425" rIns="91425" bIns="91425" anchor="b" anchorCtr="0">
+            <a:noAutofit/>
+          </a:bodyPr>
+          <a:lstStyle/>
+          <a:p>
+            <a:pPr lvl="0" algn="ctr" rtl="0">
+              <a:buNone/>
+            </a:pPr>
+            <a:r>
+              <a:rPr lang="en" dirty="0" smtClean="0"/>
+              <a:t>Tabela de pontuação</a:t>
+            </a:r>
+            <a:endParaRPr lang="en" dirty="0"/>
+          </a:p>
+        </p:txBody>
+      </p:sp>
+      <p:sp>
+        <p:nvSpPr>
+          <p:cNvPr id="117" name="Shape 117"/>
+          <p:cNvSpPr/>
+          <p:nvPr/>
+        </p:nvSpPr>
+        <p:spPr>
+          <a:xfrm>
+            <a:off x="0" y="0"/>
+            <a:ext cx="9144000" cy="1046300"/>
+          </a:xfrm>
+          <a:prstGeom prst="rect">
+            <a:avLst/>
+          </a:prstGeom>
+          <a:blipFill>
+            <a:blip r:embed="rId3"/>
+            <a:stretch>
+              <a:fillRect/>
+            </a:stretch>
+          </a:blipFill>
+        </p:spPr>
+      </p:sp>
+      <p:sp>
+        <p:nvSpPr>
+          <p:cNvPr id="118" name="Shape 118"/>
+          <p:cNvSpPr/>
+          <p:nvPr/>
+        </p:nvSpPr>
+        <p:spPr>
+          <a:xfrm>
+            <a:off x="0" y="6543675"/>
+            <a:ext cx="9144000" cy="314325"/>
+          </a:xfrm>
+          <a:prstGeom prst="rect">
+            <a:avLst/>
+          </a:prstGeom>
+          <a:blipFill>
+            <a:blip r:embed="rId4"/>
+            <a:stretch>
+              <a:fillRect/>
+            </a:stretch>
+          </a:blipFill>
+        </p:spPr>
+      </p:sp>
+      <p:pic>
+        <p:nvPicPr>
+          <p:cNvPr id="2" name="Picture 1"/>
+          <p:cNvPicPr>
+            <a:picLocks noChangeAspect="1"/>
+          </p:cNvPicPr>
+          <p:nvPr/>
+        </p:nvPicPr>
+        <p:blipFill>
+          <a:blip r:embed="rId5"/>
+          <a:stretch>
+            <a:fillRect/>
+          </a:stretch>
+        </p:blipFill>
+        <p:spPr>
+          <a:xfrm>
+            <a:off x="1432559" y="2432542"/>
+            <a:ext cx="6269164" cy="2582468"/>
+          </a:xfrm>
+          <a:prstGeom prst="rect">
+            <a:avLst/>
+          </a:prstGeom>
+        </p:spPr>
+      </p:pic>
     </p:spTree>
     <p:extLst>
       <p:ext uri="{BB962C8B-B14F-4D97-AF65-F5344CB8AC3E}">
@@ -4564,7 +5839,295 @@
 </p:sld>
 </file>
 
-<file path=ppt/slides/slide12.xml><?xml version="1.0" encoding="utf-8"?>
+<file path=ppt/slides/slide15.xml><?xml version="1.0" encoding="utf-8"?>
+<p:sld xmlns:a="http://schemas.openxmlformats.org/drawingml/2006/main" xmlns:r="http://schemas.openxmlformats.org/officeDocument/2006/relationships" xmlns:p="http://schemas.openxmlformats.org/presentationml/2006/main">
+  <p:cSld>
+    <p:spTree>
+      <p:nvGrpSpPr>
+        <p:cNvPr id="1" name="Shape 114"/>
+        <p:cNvGrpSpPr/>
+        <p:nvPr/>
+      </p:nvGrpSpPr>
+      <p:grpSpPr>
+        <a:xfrm>
+          <a:off x="0" y="0"/>
+          <a:ext cx="0" cy="0"/>
+          <a:chOff x="0" y="0"/>
+          <a:chExt cx="0" cy="0"/>
+        </a:xfrm>
+      </p:grpSpPr>
+      <p:sp>
+        <p:nvSpPr>
+          <p:cNvPr id="115" name="Shape 115"/>
+          <p:cNvSpPr txBox="1">
+            <a:spLocks noGrp="1"/>
+          </p:cNvSpPr>
+          <p:nvPr>
+            <p:ph type="title"/>
+          </p:nvPr>
+        </p:nvSpPr>
+        <p:spPr>
+          <a:xfrm>
+            <a:off x="457200" y="644771"/>
+            <a:ext cx="8229600" cy="1143000"/>
+          </a:xfrm>
+          <a:prstGeom prst="rect">
+            <a:avLst/>
+          </a:prstGeom>
+        </p:spPr>
+        <p:txBody>
+          <a:bodyPr lIns="91425" tIns="91425" rIns="91425" bIns="91425" anchor="b" anchorCtr="0">
+            <a:noAutofit/>
+          </a:bodyPr>
+          <a:lstStyle/>
+          <a:p>
+            <a:pPr lvl="0" algn="ctr" rtl="0">
+              <a:buNone/>
+            </a:pPr>
+            <a:r>
+              <a:rPr lang="en" dirty="0" smtClean="0"/>
+              <a:t>Tabela de pontuação</a:t>
+            </a:r>
+            <a:endParaRPr lang="en" dirty="0"/>
+          </a:p>
+        </p:txBody>
+      </p:sp>
+      <p:sp>
+        <p:nvSpPr>
+          <p:cNvPr id="117" name="Shape 117"/>
+          <p:cNvSpPr/>
+          <p:nvPr/>
+        </p:nvSpPr>
+        <p:spPr>
+          <a:xfrm>
+            <a:off x="0" y="0"/>
+            <a:ext cx="9144000" cy="1046300"/>
+          </a:xfrm>
+          <a:prstGeom prst="rect">
+            <a:avLst/>
+          </a:prstGeom>
+          <a:blipFill>
+            <a:blip r:embed="rId3"/>
+            <a:stretch>
+              <a:fillRect/>
+            </a:stretch>
+          </a:blipFill>
+        </p:spPr>
+      </p:sp>
+      <p:sp>
+        <p:nvSpPr>
+          <p:cNvPr id="118" name="Shape 118"/>
+          <p:cNvSpPr/>
+          <p:nvPr/>
+        </p:nvSpPr>
+        <p:spPr>
+          <a:xfrm>
+            <a:off x="0" y="6543675"/>
+            <a:ext cx="9144000" cy="314325"/>
+          </a:xfrm>
+          <a:prstGeom prst="rect">
+            <a:avLst/>
+          </a:prstGeom>
+          <a:blipFill>
+            <a:blip r:embed="rId4"/>
+            <a:stretch>
+              <a:fillRect/>
+            </a:stretch>
+          </a:blipFill>
+        </p:spPr>
+      </p:sp>
+      <p:pic>
+        <p:nvPicPr>
+          <p:cNvPr id="3" name="Picture 2"/>
+          <p:cNvPicPr>
+            <a:picLocks noChangeAspect="1"/>
+          </p:cNvPicPr>
+          <p:nvPr/>
+        </p:nvPicPr>
+        <p:blipFill>
+          <a:blip r:embed="rId5"/>
+          <a:stretch>
+            <a:fillRect/>
+          </a:stretch>
+        </p:blipFill>
+        <p:spPr>
+          <a:xfrm>
+            <a:off x="416718" y="1991672"/>
+            <a:ext cx="8310563" cy="3606631"/>
+          </a:xfrm>
+          <a:prstGeom prst="rect">
+            <a:avLst/>
+          </a:prstGeom>
+        </p:spPr>
+      </p:pic>
+    </p:spTree>
+    <p:extLst>
+      <p:ext uri="{BB962C8B-B14F-4D97-AF65-F5344CB8AC3E}">
+        <p14:creationId xmlns:p14="http://schemas.microsoft.com/office/powerpoint/2010/main" val="3319695133"/>
+      </p:ext>
+    </p:extLst>
+  </p:cSld>
+  <p:clrMapOvr>
+    <a:masterClrMapping/>
+  </p:clrMapOvr>
+  <p:transition spd="slow">
+    <p:cut/>
+  </p:transition>
+  <p:timing>
+    <p:tnLst>
+      <p:par>
+        <p:cTn id="1" dur="indefinite" restart="never" nodeType="tmRoot"/>
+      </p:par>
+    </p:tnLst>
+  </p:timing>
+</p:sld>
+</file>
+
+<file path=ppt/slides/slide16.xml><?xml version="1.0" encoding="utf-8"?>
+<p:sld xmlns:a="http://schemas.openxmlformats.org/drawingml/2006/main" xmlns:r="http://schemas.openxmlformats.org/officeDocument/2006/relationships" xmlns:p="http://schemas.openxmlformats.org/presentationml/2006/main">
+  <p:cSld>
+    <p:spTree>
+      <p:nvGrpSpPr>
+        <p:cNvPr id="1" name="Shape 114"/>
+        <p:cNvGrpSpPr/>
+        <p:nvPr/>
+      </p:nvGrpSpPr>
+      <p:grpSpPr>
+        <a:xfrm>
+          <a:off x="0" y="0"/>
+          <a:ext cx="0" cy="0"/>
+          <a:chOff x="0" y="0"/>
+          <a:chExt cx="0" cy="0"/>
+        </a:xfrm>
+      </p:grpSpPr>
+      <p:sp>
+        <p:nvSpPr>
+          <p:cNvPr id="115" name="Shape 115"/>
+          <p:cNvSpPr txBox="1">
+            <a:spLocks noGrp="1"/>
+          </p:cNvSpPr>
+          <p:nvPr>
+            <p:ph type="title"/>
+          </p:nvPr>
+        </p:nvSpPr>
+        <p:spPr>
+          <a:xfrm>
+            <a:off x="457200" y="644771"/>
+            <a:ext cx="8229600" cy="1143000"/>
+          </a:xfrm>
+          <a:prstGeom prst="rect">
+            <a:avLst/>
+          </a:prstGeom>
+        </p:spPr>
+        <p:txBody>
+          <a:bodyPr lIns="91425" tIns="91425" rIns="91425" bIns="91425" anchor="b" anchorCtr="0">
+            <a:noAutofit/>
+          </a:bodyPr>
+          <a:lstStyle/>
+          <a:p>
+            <a:pPr lvl="0" algn="ctr" rtl="0">
+              <a:buNone/>
+            </a:pPr>
+            <a:r>
+              <a:rPr lang="en" dirty="0" smtClean="0"/>
+              <a:t>Tabela de pontuação</a:t>
+            </a:r>
+            <a:endParaRPr lang="en" dirty="0"/>
+          </a:p>
+        </p:txBody>
+      </p:sp>
+      <p:sp>
+        <p:nvSpPr>
+          <p:cNvPr id="117" name="Shape 117"/>
+          <p:cNvSpPr/>
+          <p:nvPr/>
+        </p:nvSpPr>
+        <p:spPr>
+          <a:xfrm>
+            <a:off x="0" y="0"/>
+            <a:ext cx="9144000" cy="1046300"/>
+          </a:xfrm>
+          <a:prstGeom prst="rect">
+            <a:avLst/>
+          </a:prstGeom>
+          <a:blipFill>
+            <a:blip r:embed="rId3"/>
+            <a:stretch>
+              <a:fillRect/>
+            </a:stretch>
+          </a:blipFill>
+        </p:spPr>
+      </p:sp>
+      <p:sp>
+        <p:nvSpPr>
+          <p:cNvPr id="118" name="Shape 118"/>
+          <p:cNvSpPr/>
+          <p:nvPr/>
+        </p:nvSpPr>
+        <p:spPr>
+          <a:xfrm>
+            <a:off x="0" y="6543675"/>
+            <a:ext cx="9144000" cy="314325"/>
+          </a:xfrm>
+          <a:prstGeom prst="rect">
+            <a:avLst/>
+          </a:prstGeom>
+          <a:blipFill>
+            <a:blip r:embed="rId4"/>
+            <a:stretch>
+              <a:fillRect/>
+            </a:stretch>
+          </a:blipFill>
+        </p:spPr>
+      </p:sp>
+      <p:pic>
+        <p:nvPicPr>
+          <p:cNvPr id="2" name="Picture 1"/>
+          <p:cNvPicPr>
+            <a:picLocks noChangeAspect="1"/>
+          </p:cNvPicPr>
+          <p:nvPr/>
+        </p:nvPicPr>
+        <p:blipFill>
+          <a:blip r:embed="rId5"/>
+          <a:stretch>
+            <a:fillRect/>
+          </a:stretch>
+        </p:blipFill>
+        <p:spPr>
+          <a:xfrm>
+            <a:off x="2176190" y="1787771"/>
+            <a:ext cx="4791619" cy="4503834"/>
+          </a:xfrm>
+          <a:prstGeom prst="rect">
+            <a:avLst/>
+          </a:prstGeom>
+        </p:spPr>
+      </p:pic>
+    </p:spTree>
+    <p:extLst>
+      <p:ext uri="{BB962C8B-B14F-4D97-AF65-F5344CB8AC3E}">
+        <p14:creationId xmlns:p14="http://schemas.microsoft.com/office/powerpoint/2010/main" val="22711191"/>
+      </p:ext>
+    </p:extLst>
+  </p:cSld>
+  <p:clrMapOvr>
+    <a:masterClrMapping/>
+  </p:clrMapOvr>
+  <p:transition spd="slow">
+    <p:cut/>
+  </p:transition>
+  <p:timing>
+    <p:tnLst>
+      <p:par>
+        <p:cTn id="1" dur="indefinite" restart="never" nodeType="tmRoot"/>
+      </p:par>
+    </p:tnLst>
+  </p:timing>
+</p:sld>
+</file>
+
+<file path=ppt/slides/slide17.xml><?xml version="1.0" encoding="utf-8"?>
 <p:sld xmlns:a="http://schemas.openxmlformats.org/drawingml/2006/main" xmlns:r="http://schemas.openxmlformats.org/officeDocument/2006/relationships" xmlns:p="http://schemas.openxmlformats.org/presentationml/2006/main">
   <p:cSld>
     <p:spTree>
@@ -4911,7 +6474,7 @@
             </a:pPr>
             <a:r>
               <a:rPr lang="en" dirty="0" smtClean="0"/>
-              <a:t>Modelagem</a:t>
+              <a:t>Fonte de Dados</a:t>
             </a:r>
             <a:endParaRPr lang="en" dirty="0"/>
           </a:p>
@@ -4963,49 +6526,32 @@
       </p:sp>
       <p:pic>
         <p:nvPicPr>
-          <p:cNvPr id="1026" name="Picture 2" descr="C:\Users\Potigua\Dropbox\BD_EXPERIMENTAL\Trabalho_final\MODELAGEM\MODELAGEM.PNG"/>
+          <p:cNvPr id="12" name="Picture 11"/>
           <p:cNvPicPr>
-            <a:picLocks noChangeAspect="1" noChangeArrowheads="1"/>
+            <a:picLocks noChangeAspect="1"/>
           </p:cNvPicPr>
           <p:nvPr/>
         </p:nvPicPr>
         <p:blipFill>
-          <a:blip r:embed="rId5">
-            <a:extLst>
-              <a:ext uri="{28A0092B-C50C-407E-A947-70E740481C1C}">
-                <a14:useLocalDpi xmlns:a14="http://schemas.microsoft.com/office/drawing/2010/main" val="0"/>
-              </a:ext>
-            </a:extLst>
-          </a:blip>
-          <a:srcRect/>
+          <a:blip r:embed="rId5"/>
           <a:stretch>
             <a:fillRect/>
           </a:stretch>
         </p:blipFill>
-        <p:spPr bwMode="auto">
-          <a:xfrm>
-            <a:off x="1" y="1787771"/>
-            <a:ext cx="9144000" cy="4647212"/>
-          </a:xfrm>
-          <a:prstGeom prst="rect">
-            <a:avLst/>
-          </a:prstGeom>
-          <a:noFill/>
-          <a:extLst>
-            <a:ext uri="{909E8E84-426E-40DD-AFC4-6F175D3DCCD1}">
-              <a14:hiddenFill xmlns:a14="http://schemas.microsoft.com/office/drawing/2010/main">
-                <a:solidFill>
-                  <a:srgbClr val="FFFFFF"/>
-                </a:solidFill>
-              </a14:hiddenFill>
-            </a:ext>
-          </a:extLst>
+        <p:spPr>
+          <a:xfrm>
+            <a:off x="2176190" y="1787771"/>
+            <a:ext cx="4791619" cy="4503834"/>
+          </a:xfrm>
+          <a:prstGeom prst="rect">
+            <a:avLst/>
+          </a:prstGeom>
         </p:spPr>
       </p:pic>
     </p:spTree>
     <p:extLst>
       <p:ext uri="{BB962C8B-B14F-4D97-AF65-F5344CB8AC3E}">
-        <p14:creationId xmlns:p14="http://schemas.microsoft.com/office/powerpoint/2010/main" val="729364188"/>
+        <p14:creationId xmlns:p14="http://schemas.microsoft.com/office/powerpoint/2010/main" val="2495839045"/>
       </p:ext>
     </p:extLst>
   </p:cSld>
@@ -5072,7 +6618,7 @@
             </a:pPr>
             <a:r>
               <a:rPr lang="en" dirty="0" smtClean="0"/>
-              <a:t>Sequences e Triggers</a:t>
+              <a:t>Fonte de Dados</a:t>
             </a:r>
             <a:endParaRPr lang="en" dirty="0"/>
           </a:p>
@@ -5122,153 +6668,34 @@
           </a:blipFill>
         </p:spPr>
       </p:sp>
-      <p:sp>
-        <p:nvSpPr>
-          <p:cNvPr id="12" name="Rectangle 1"/>
-          <p:cNvSpPr/>
+      <p:pic>
+        <p:nvPicPr>
+          <p:cNvPr id="4" name="Picture 3"/>
+          <p:cNvPicPr>
+            <a:picLocks noChangeAspect="1"/>
+          </p:cNvPicPr>
           <p:nvPr/>
-        </p:nvSpPr>
-        <p:spPr>
-          <a:xfrm>
-            <a:off x="304800" y="2505930"/>
-            <a:ext cx="8534400" cy="1791260"/>
-          </a:xfrm>
-          <a:prstGeom prst="rect">
-            <a:avLst/>
-          </a:prstGeom>
-        </p:spPr>
-        <p:txBody>
-          <a:bodyPr wrap="square">
-            <a:spAutoFit/>
-          </a:bodyPr>
-          <a:lstStyle/>
-          <a:p>
-            <a:pPr marL="342900" indent="-342900" algn="just">
-              <a:lnSpc>
-                <a:spcPct val="115000"/>
-              </a:lnSpc>
-              <a:buFont typeface="Arial" pitchFamily="34" charset="0"/>
-              <a:buChar char="•"/>
-            </a:pPr>
-            <a:r>
-              <a:rPr lang="pt-BR" sz="2400" dirty="0" err="1" smtClean="0"/>
-              <a:t>Sequences</a:t>
-            </a:r>
-            <a:r>
-              <a:rPr lang="pt-BR" sz="2400" dirty="0" smtClean="0"/>
-              <a:t>:</a:t>
-            </a:r>
-          </a:p>
-          <a:p>
-            <a:pPr marL="342900" lvl="1" indent="-342900" algn="just">
-              <a:lnSpc>
-                <a:spcPct val="115000"/>
-              </a:lnSpc>
-              <a:buFont typeface="Arial" pitchFamily="34" charset="0"/>
-              <a:buChar char="•"/>
-            </a:pPr>
-            <a:endParaRPr lang="pt-BR" sz="2400" dirty="0" smtClean="0"/>
-          </a:p>
-          <a:p>
-            <a:pPr lvl="1" algn="just">
-              <a:lnSpc>
-                <a:spcPct val="115000"/>
-              </a:lnSpc>
-            </a:pPr>
-            <a:endParaRPr lang="pt-BR" sz="2400" dirty="0" smtClean="0"/>
-          </a:p>
-          <a:p>
-            <a:pPr marL="342900" lvl="1" indent="-342900" algn="just">
-              <a:lnSpc>
-                <a:spcPct val="115000"/>
-              </a:lnSpc>
-              <a:buFont typeface="Arial" pitchFamily="34" charset="0"/>
-              <a:buChar char="•"/>
-            </a:pPr>
-            <a:r>
-              <a:rPr lang="pt-BR" sz="2400" dirty="0" smtClean="0"/>
-              <a:t>Triggers:</a:t>
-            </a:r>
-            <a:endParaRPr lang="pt-BR" sz="2400" dirty="0"/>
-          </a:p>
-        </p:txBody>
-      </p:sp>
-      <p:sp>
-        <p:nvSpPr>
-          <p:cNvPr id="2" name="CaixaDeTexto 1"/>
-          <p:cNvSpPr txBox="1"/>
-          <p:nvPr/>
-        </p:nvSpPr>
-        <p:spPr>
-          <a:xfrm>
-            <a:off x="922946" y="3032228"/>
-            <a:ext cx="6648628" cy="369332"/>
-          </a:xfrm>
-          <a:prstGeom prst="rect">
-            <a:avLst/>
-          </a:prstGeom>
-          <a:noFill/>
-        </p:spPr>
-        <p:txBody>
-          <a:bodyPr wrap="square" rtlCol="0">
-            <a:spAutoFit/>
-          </a:bodyPr>
-          <a:lstStyle/>
-          <a:p>
-            <a:pPr marL="285750" indent="-285750">
-              <a:buFont typeface="Arial" pitchFamily="34" charset="0"/>
-              <a:buChar char="•"/>
-            </a:pPr>
-            <a:r>
-              <a:rPr lang="pt-BR" sz="1800" dirty="0" smtClean="0"/>
-              <a:t>Geração das chaves primárias</a:t>
-            </a:r>
-            <a:endParaRPr lang="pt-BR" sz="1800" dirty="0"/>
-          </a:p>
-        </p:txBody>
-      </p:sp>
-      <p:sp>
-        <p:nvSpPr>
-          <p:cNvPr id="15" name="CaixaDeTexto 14"/>
-          <p:cNvSpPr txBox="1"/>
-          <p:nvPr/>
-        </p:nvSpPr>
-        <p:spPr>
-          <a:xfrm>
-            <a:off x="922946" y="4333888"/>
-            <a:ext cx="7916254" cy="646331"/>
-          </a:xfrm>
-          <a:prstGeom prst="rect">
-            <a:avLst/>
-          </a:prstGeom>
-          <a:noFill/>
-        </p:spPr>
-        <p:txBody>
-          <a:bodyPr wrap="square" rtlCol="0">
-            <a:spAutoFit/>
-          </a:bodyPr>
-          <a:lstStyle/>
-          <a:p>
-            <a:pPr marL="285750" indent="-285750">
-              <a:buFont typeface="Arial" pitchFamily="34" charset="0"/>
-              <a:buChar char="•"/>
-            </a:pPr>
-            <a:r>
-              <a:rPr lang="pt-BR" sz="1800" dirty="0" smtClean="0"/>
-              <a:t>Disparadas durante a inserção de dados no banco, chamando as </a:t>
-            </a:r>
-            <a:r>
-              <a:rPr lang="pt-BR" sz="1800" dirty="0" err="1" smtClean="0"/>
-              <a:t>sequences</a:t>
-            </a:r>
-            <a:endParaRPr lang="pt-BR" sz="1800" dirty="0"/>
-          </a:p>
-        </p:txBody>
-      </p:sp>
+        </p:nvPicPr>
+        <p:blipFill>
+          <a:blip r:embed="rId5"/>
+          <a:stretch>
+            <a:fillRect/>
+          </a:stretch>
+        </p:blipFill>
+        <p:spPr>
+          <a:xfrm>
+            <a:off x="1970675" y="1787771"/>
+            <a:ext cx="5202650" cy="4426060"/>
+          </a:xfrm>
+          <a:prstGeom prst="rect">
+            <a:avLst/>
+          </a:prstGeom>
+        </p:spPr>
+      </p:pic>
     </p:spTree>
     <p:extLst>
       <p:ext uri="{BB962C8B-B14F-4D97-AF65-F5344CB8AC3E}">
-        <p14:creationId xmlns:p14="http://schemas.microsoft.com/office/powerpoint/2010/main" val="4228348725"/>
+        <p14:creationId xmlns:p14="http://schemas.microsoft.com/office/powerpoint/2010/main" val="3388834942"/>
       </p:ext>
     </p:extLst>
   </p:cSld>
@@ -5335,7 +6762,7 @@
             </a:pPr>
             <a:r>
               <a:rPr lang="en" dirty="0" smtClean="0"/>
-              <a:t>Procedures</a:t>
+              <a:t>Fonte de Dados</a:t>
             </a:r>
             <a:endParaRPr lang="en" dirty="0"/>
           </a:p>
@@ -5385,128 +6812,34 @@
           </a:blipFill>
         </p:spPr>
       </p:sp>
-      <p:sp>
-        <p:nvSpPr>
-          <p:cNvPr id="6" name="Rectangle 1"/>
-          <p:cNvSpPr/>
+      <p:pic>
+        <p:nvPicPr>
+          <p:cNvPr id="3" name="Picture 2"/>
+          <p:cNvPicPr>
+            <a:picLocks noChangeAspect="1"/>
+          </p:cNvPicPr>
           <p:nvPr/>
-        </p:nvSpPr>
-        <p:spPr>
-          <a:xfrm>
-            <a:off x="304800" y="2505930"/>
-            <a:ext cx="8534400" cy="1791260"/>
-          </a:xfrm>
-          <a:prstGeom prst="rect">
-            <a:avLst/>
-          </a:prstGeom>
-        </p:spPr>
-        <p:txBody>
-          <a:bodyPr wrap="square">
-            <a:spAutoFit/>
-          </a:bodyPr>
-          <a:lstStyle/>
-          <a:p>
-            <a:pPr marL="342900" indent="-342900" algn="just">
-              <a:lnSpc>
-                <a:spcPct val="115000"/>
-              </a:lnSpc>
-              <a:buFont typeface="Arial" pitchFamily="34" charset="0"/>
-              <a:buChar char="•"/>
-            </a:pPr>
-            <a:r>
-              <a:rPr lang="pt-BR" sz="2400" dirty="0"/>
-              <a:t>s</a:t>
-            </a:r>
-            <a:r>
-              <a:rPr lang="pt-BR" sz="2400" dirty="0" smtClean="0"/>
-              <a:t>p_insere_cartao </a:t>
-            </a:r>
-            <a:r>
-              <a:rPr lang="pt-BR" sz="2400" dirty="0"/>
-              <a:t>(</a:t>
-            </a:r>
-            <a:r>
-              <a:rPr lang="pt-BR" sz="2400" dirty="0" smtClean="0"/>
-              <a:t>v_cod_jogador</a:t>
-            </a:r>
-            <a:r>
-              <a:rPr lang="pt-BR" sz="2400" dirty="0"/>
-              <a:t>, </a:t>
-            </a:r>
-            <a:r>
-              <a:rPr lang="pt-BR" sz="2400" dirty="0" smtClean="0"/>
-              <a:t>v_descricao_cartao)</a:t>
-            </a:r>
-          </a:p>
-          <a:p>
-            <a:pPr marL="342900" lvl="1" indent="-342900" algn="just">
-              <a:lnSpc>
-                <a:spcPct val="115000"/>
-              </a:lnSpc>
-              <a:buFont typeface="Arial" pitchFamily="34" charset="0"/>
-              <a:buChar char="•"/>
-            </a:pPr>
-            <a:endParaRPr lang="pt-BR" sz="2400" dirty="0" smtClean="0"/>
-          </a:p>
-          <a:p>
-            <a:pPr marL="342900" lvl="1" indent="-342900" algn="just">
-              <a:lnSpc>
-                <a:spcPct val="115000"/>
-              </a:lnSpc>
-              <a:buFont typeface="Arial" pitchFamily="34" charset="0"/>
-              <a:buChar char="•"/>
-            </a:pPr>
-            <a:r>
-              <a:rPr lang="pt-BR" sz="2400" dirty="0" smtClean="0"/>
-              <a:t>sp_insere_gol_partida</a:t>
-            </a:r>
-            <a:r>
-              <a:rPr lang="pt-BR" sz="2400" dirty="0"/>
-              <a:t> (</a:t>
-            </a:r>
-            <a:r>
-              <a:rPr lang="pt-BR" sz="2400" dirty="0" smtClean="0"/>
-              <a:t>p_rodada</a:t>
-            </a:r>
-            <a:r>
-              <a:rPr lang="pt-BR" sz="2400" dirty="0"/>
-              <a:t>, </a:t>
-            </a:r>
-            <a:r>
-              <a:rPr lang="pt-BR" sz="2400" dirty="0" smtClean="0"/>
-              <a:t>p_nome_mandante</a:t>
-            </a:r>
-            <a:r>
-              <a:rPr lang="pt-BR" sz="2400" dirty="0"/>
-              <a:t>, </a:t>
-            </a:r>
-            <a:r>
-              <a:rPr lang="pt-BR" sz="2400" dirty="0" smtClean="0"/>
-              <a:t>p_gol_mandante</a:t>
-            </a:r>
-            <a:r>
-              <a:rPr lang="pt-BR" sz="2400" dirty="0"/>
-              <a:t>, </a:t>
-            </a:r>
-            <a:r>
-              <a:rPr lang="pt-BR" sz="2400" dirty="0" smtClean="0"/>
-              <a:t>p_gol_visitante</a:t>
-            </a:r>
-            <a:r>
-              <a:rPr lang="pt-BR" sz="2400" dirty="0"/>
-              <a:t>, </a:t>
-            </a:r>
-            <a:r>
-              <a:rPr lang="pt-BR" sz="2400" dirty="0" smtClean="0"/>
-              <a:t>p_nome_visitante)</a:t>
-            </a:r>
-          </a:p>
-        </p:txBody>
-      </p:sp>
+        </p:nvPicPr>
+        <p:blipFill>
+          <a:blip r:embed="rId5"/>
+          <a:stretch>
+            <a:fillRect/>
+          </a:stretch>
+        </p:blipFill>
+        <p:spPr>
+          <a:xfrm>
+            <a:off x="1550842" y="1787771"/>
+            <a:ext cx="6042316" cy="4342174"/>
+          </a:xfrm>
+          <a:prstGeom prst="rect">
+            <a:avLst/>
+          </a:prstGeom>
+        </p:spPr>
+      </p:pic>
     </p:spTree>
     <p:extLst>
       <p:ext uri="{BB962C8B-B14F-4D97-AF65-F5344CB8AC3E}">
-        <p14:creationId xmlns:p14="http://schemas.microsoft.com/office/powerpoint/2010/main" val="1557917323"/>
+        <p14:creationId xmlns:p14="http://schemas.microsoft.com/office/powerpoint/2010/main" val="578345078"/>
       </p:ext>
     </p:extLst>
   </p:cSld>
@@ -5573,7 +6906,7 @@
             </a:pPr>
             <a:r>
               <a:rPr lang="en" dirty="0" smtClean="0"/>
-              <a:t>Functions</a:t>
+              <a:t>Modelagem</a:t>
             </a:r>
             <a:endParaRPr lang="en" dirty="0"/>
           </a:p>
@@ -5623,432 +6956,40 @@
           </a:blipFill>
         </p:spPr>
       </p:sp>
-      <p:sp>
-        <p:nvSpPr>
-          <p:cNvPr id="2" name="Rectangle 1"/>
-          <p:cNvSpPr/>
+      <p:pic>
+        <p:nvPicPr>
+          <p:cNvPr id="2" name="Picture 1"/>
+          <p:cNvPicPr>
+            <a:picLocks noChangeAspect="1"/>
+          </p:cNvPicPr>
           <p:nvPr/>
-        </p:nvSpPr>
-        <p:spPr>
-          <a:xfrm>
-            <a:off x="304800" y="2158991"/>
-            <a:ext cx="8534400" cy="4339650"/>
-          </a:xfrm>
-          <a:prstGeom prst="rect">
-            <a:avLst/>
-          </a:prstGeom>
-        </p:spPr>
-        <p:txBody>
-          <a:bodyPr wrap="square">
-            <a:spAutoFit/>
-          </a:bodyPr>
-          <a:lstStyle/>
-          <a:p>
-            <a:pPr marL="342900" indent="-342900" algn="just">
-              <a:lnSpc>
-                <a:spcPct val="115000"/>
-              </a:lnSpc>
-              <a:buFont typeface="Arial" pitchFamily="34" charset="0"/>
-              <a:buChar char="•"/>
-            </a:pPr>
-            <a:r>
-              <a:rPr lang="pt-BR" sz="2000" dirty="0" err="1" smtClean="0"/>
-              <a:t>fn_cartoes_amarelo</a:t>
-            </a:r>
-            <a:r>
-              <a:rPr lang="pt-BR" sz="2000" dirty="0"/>
-              <a:t> (</a:t>
-            </a:r>
-            <a:r>
-              <a:rPr lang="pt-BR" sz="2000" dirty="0" smtClean="0"/>
-              <a:t>v_cod_jogador)</a:t>
-            </a:r>
-          </a:p>
-          <a:p>
-            <a:pPr marL="342900" indent="-342900" algn="just">
-              <a:lnSpc>
-                <a:spcPct val="115000"/>
-              </a:lnSpc>
-              <a:buFont typeface="Arial" pitchFamily="34" charset="0"/>
-              <a:buChar char="•"/>
-            </a:pPr>
-            <a:r>
-              <a:rPr lang="pt-BR" sz="2000" dirty="0" err="1"/>
-              <a:t>fn_cartoes_vermelho</a:t>
-            </a:r>
-            <a:r>
-              <a:rPr lang="pt-BR" sz="2000" dirty="0"/>
-              <a:t> </a:t>
-            </a:r>
-            <a:r>
-              <a:rPr lang="pt-BR" sz="2000" dirty="0" smtClean="0"/>
-              <a:t>(v_cod_jogador)</a:t>
-            </a:r>
-          </a:p>
-          <a:p>
-            <a:pPr marL="342900" indent="-342900" algn="just">
-              <a:lnSpc>
-                <a:spcPct val="115000"/>
-              </a:lnSpc>
-              <a:buFont typeface="Arial" pitchFamily="34" charset="0"/>
-              <a:buChar char="•"/>
-            </a:pPr>
-            <a:r>
-              <a:rPr lang="pt-BR" sz="2000" dirty="0" err="1" smtClean="0"/>
-              <a:t>fn_pontuacao_equipe</a:t>
-            </a:r>
-            <a:r>
-              <a:rPr lang="pt-BR" sz="2000" dirty="0"/>
-              <a:t> (</a:t>
-            </a:r>
-            <a:r>
-              <a:rPr lang="pt-BR" sz="2000" dirty="0" err="1" smtClean="0"/>
-              <a:t>p_cod_equipe</a:t>
-            </a:r>
-            <a:r>
-              <a:rPr lang="pt-BR" sz="2000" dirty="0"/>
-              <a:t>, </a:t>
-            </a:r>
-            <a:r>
-              <a:rPr lang="pt-BR" sz="2000" dirty="0" err="1" smtClean="0"/>
-              <a:t>p_data_atual</a:t>
-            </a:r>
-            <a:r>
-              <a:rPr lang="pt-BR" sz="2000" dirty="0" smtClean="0"/>
-              <a:t>)</a:t>
-            </a:r>
-          </a:p>
-          <a:p>
-            <a:pPr marL="342900" indent="-342900" algn="just">
-              <a:lnSpc>
-                <a:spcPct val="115000"/>
-              </a:lnSpc>
-              <a:buFont typeface="Arial" pitchFamily="34" charset="0"/>
-              <a:buChar char="•"/>
-            </a:pPr>
-            <a:r>
-              <a:rPr lang="pt-BR" sz="2000" dirty="0" err="1" smtClean="0"/>
-              <a:t>fn_qtd_jogos_equipe</a:t>
-            </a:r>
-            <a:r>
-              <a:rPr lang="pt-BR" sz="2000" dirty="0"/>
-              <a:t> (</a:t>
-            </a:r>
-            <a:r>
-              <a:rPr lang="pt-BR" sz="2000" dirty="0" err="1"/>
-              <a:t>p_cod_equipe</a:t>
-            </a:r>
-            <a:r>
-              <a:rPr lang="pt-BR" sz="2000" dirty="0"/>
-              <a:t>, </a:t>
-            </a:r>
-            <a:r>
-              <a:rPr lang="pt-BR" sz="2000" dirty="0" err="1"/>
-              <a:t>p_data_atual</a:t>
-            </a:r>
-            <a:r>
-              <a:rPr lang="pt-BR" sz="2000" dirty="0"/>
-              <a:t>)</a:t>
-            </a:r>
-            <a:endParaRPr lang="pt-BR" sz="2000" dirty="0" smtClean="0"/>
-          </a:p>
-          <a:p>
-            <a:pPr marL="342900" indent="-342900" algn="just">
-              <a:lnSpc>
-                <a:spcPct val="115000"/>
-              </a:lnSpc>
-              <a:buFont typeface="Arial" pitchFamily="34" charset="0"/>
-              <a:buChar char="•"/>
-            </a:pPr>
-            <a:r>
-              <a:rPr lang="pt-BR" sz="2000" dirty="0" err="1" smtClean="0"/>
-              <a:t>fn_vitoria_equipe</a:t>
-            </a:r>
-            <a:r>
-              <a:rPr lang="pt-BR" sz="2000" dirty="0" smtClean="0"/>
-              <a:t> </a:t>
-            </a:r>
-            <a:r>
-              <a:rPr lang="pt-BR" sz="2000" dirty="0"/>
-              <a:t>(</a:t>
-            </a:r>
-            <a:r>
-              <a:rPr lang="pt-BR" sz="2000" dirty="0" err="1"/>
-              <a:t>p_cod_equipe</a:t>
-            </a:r>
-            <a:r>
-              <a:rPr lang="pt-BR" sz="2000" dirty="0"/>
-              <a:t>, </a:t>
-            </a:r>
-            <a:r>
-              <a:rPr lang="pt-BR" sz="2000" dirty="0" err="1"/>
-              <a:t>p_data_atual</a:t>
-            </a:r>
-            <a:r>
-              <a:rPr lang="pt-BR" sz="2000" dirty="0"/>
-              <a:t>)</a:t>
-            </a:r>
-            <a:endParaRPr lang="pt-BR" sz="2000" dirty="0" smtClean="0"/>
-          </a:p>
-          <a:p>
-            <a:pPr marL="342900" indent="-342900" algn="just">
-              <a:lnSpc>
-                <a:spcPct val="115000"/>
-              </a:lnSpc>
-              <a:buFont typeface="Arial" pitchFamily="34" charset="0"/>
-              <a:buChar char="•"/>
-            </a:pPr>
-            <a:r>
-              <a:rPr lang="pt-BR" sz="2000" dirty="0" err="1" smtClean="0"/>
-              <a:t>fn_derrota_equipe</a:t>
-            </a:r>
-            <a:r>
-              <a:rPr lang="pt-BR" sz="2000" dirty="0" smtClean="0"/>
-              <a:t> </a:t>
-            </a:r>
-            <a:r>
-              <a:rPr lang="pt-BR" sz="2000" dirty="0"/>
-              <a:t>(</a:t>
-            </a:r>
-            <a:r>
-              <a:rPr lang="pt-BR" sz="2000" dirty="0" err="1"/>
-              <a:t>p_cod_equipe</a:t>
-            </a:r>
-            <a:r>
-              <a:rPr lang="pt-BR" sz="2000" dirty="0"/>
-              <a:t>, </a:t>
-            </a:r>
-            <a:r>
-              <a:rPr lang="pt-BR" sz="2000" dirty="0" err="1"/>
-              <a:t>p_data_atual</a:t>
-            </a:r>
-            <a:r>
-              <a:rPr lang="pt-BR" sz="2000" dirty="0"/>
-              <a:t>)</a:t>
-            </a:r>
-            <a:endParaRPr lang="pt-BR" sz="2000" dirty="0" smtClean="0"/>
-          </a:p>
-          <a:p>
-            <a:pPr marL="342900" indent="-342900" algn="just">
-              <a:lnSpc>
-                <a:spcPct val="115000"/>
-              </a:lnSpc>
-              <a:buFont typeface="Arial" pitchFamily="34" charset="0"/>
-              <a:buChar char="•"/>
-            </a:pPr>
-            <a:r>
-              <a:rPr lang="pt-BR" sz="2000" dirty="0" err="1" smtClean="0"/>
-              <a:t>fn_empate_equipe</a:t>
-            </a:r>
-            <a:r>
-              <a:rPr lang="pt-BR" sz="2000" dirty="0" smtClean="0"/>
-              <a:t> </a:t>
-            </a:r>
-            <a:r>
-              <a:rPr lang="pt-BR" sz="2000" dirty="0"/>
-              <a:t>(</a:t>
-            </a:r>
-            <a:r>
-              <a:rPr lang="pt-BR" sz="2000" dirty="0" err="1"/>
-              <a:t>p_cod_equipe</a:t>
-            </a:r>
-            <a:r>
-              <a:rPr lang="pt-BR" sz="2000" dirty="0"/>
-              <a:t>, </a:t>
-            </a:r>
-            <a:r>
-              <a:rPr lang="pt-BR" sz="2000" dirty="0" err="1"/>
-              <a:t>p_data_atual</a:t>
-            </a:r>
-            <a:r>
-              <a:rPr lang="pt-BR" sz="2000" dirty="0"/>
-              <a:t>)</a:t>
-            </a:r>
-            <a:endParaRPr lang="pt-BR" sz="2000" dirty="0" smtClean="0"/>
-          </a:p>
-          <a:p>
-            <a:pPr marL="342900" indent="-342900" algn="just">
-              <a:lnSpc>
-                <a:spcPct val="115000"/>
-              </a:lnSpc>
-              <a:buFont typeface="Arial" pitchFamily="34" charset="0"/>
-              <a:buChar char="•"/>
-            </a:pPr>
-            <a:r>
-              <a:rPr lang="pt-BR" sz="2000" dirty="0" err="1" smtClean="0"/>
-              <a:t>fn_gol_pro_equipe</a:t>
-            </a:r>
-            <a:r>
-              <a:rPr lang="pt-BR" sz="2000" dirty="0" smtClean="0"/>
-              <a:t> </a:t>
-            </a:r>
-            <a:r>
-              <a:rPr lang="pt-BR" sz="2000" dirty="0"/>
-              <a:t>(</a:t>
-            </a:r>
-            <a:r>
-              <a:rPr lang="pt-BR" sz="2000" dirty="0" err="1"/>
-              <a:t>p_cod_equipe</a:t>
-            </a:r>
-            <a:r>
-              <a:rPr lang="pt-BR" sz="2000" dirty="0"/>
-              <a:t>, </a:t>
-            </a:r>
-            <a:r>
-              <a:rPr lang="pt-BR" sz="2000" dirty="0" err="1"/>
-              <a:t>p_data_atual</a:t>
-            </a:r>
-            <a:r>
-              <a:rPr lang="pt-BR" sz="2000" dirty="0"/>
-              <a:t>)</a:t>
-            </a:r>
-            <a:endParaRPr lang="pt-BR" sz="2000" dirty="0" smtClean="0"/>
-          </a:p>
-          <a:p>
-            <a:pPr marL="342900" indent="-342900" algn="just">
-              <a:lnSpc>
-                <a:spcPct val="115000"/>
-              </a:lnSpc>
-              <a:buFont typeface="Arial" pitchFamily="34" charset="0"/>
-              <a:buChar char="•"/>
-            </a:pPr>
-            <a:r>
-              <a:rPr lang="pt-BR" sz="2000" dirty="0" err="1" smtClean="0"/>
-              <a:t>fn_gol_contra_equipe</a:t>
-            </a:r>
-            <a:r>
-              <a:rPr lang="pt-BR" sz="2000" dirty="0" smtClean="0"/>
-              <a:t> </a:t>
-            </a:r>
-            <a:r>
-              <a:rPr lang="pt-BR" sz="2000" dirty="0"/>
-              <a:t>(</a:t>
-            </a:r>
-            <a:r>
-              <a:rPr lang="pt-BR" sz="2000" dirty="0" err="1"/>
-              <a:t>p_cod_equipe</a:t>
-            </a:r>
-            <a:r>
-              <a:rPr lang="pt-BR" sz="2000" dirty="0"/>
-              <a:t>, </a:t>
-            </a:r>
-            <a:r>
-              <a:rPr lang="pt-BR" sz="2000" dirty="0" err="1"/>
-              <a:t>p_data_atual</a:t>
-            </a:r>
-            <a:r>
-              <a:rPr lang="pt-BR" sz="2000" dirty="0"/>
-              <a:t>)</a:t>
-            </a:r>
-            <a:endParaRPr lang="pt-BR" sz="2000" dirty="0" smtClean="0"/>
-          </a:p>
-          <a:p>
-            <a:pPr marL="342900" indent="-342900" algn="just">
-              <a:lnSpc>
-                <a:spcPct val="115000"/>
-              </a:lnSpc>
-              <a:buFont typeface="Arial" pitchFamily="34" charset="0"/>
-              <a:buChar char="•"/>
-            </a:pPr>
-            <a:r>
-              <a:rPr lang="pt-BR" sz="2000" dirty="0" err="1" smtClean="0"/>
-              <a:t>fn_saldo_gol_equipe</a:t>
-            </a:r>
-            <a:r>
-              <a:rPr lang="pt-BR" sz="2000" dirty="0" smtClean="0"/>
-              <a:t> </a:t>
-            </a:r>
-            <a:r>
-              <a:rPr lang="pt-BR" sz="2000" dirty="0"/>
-              <a:t>(</a:t>
-            </a:r>
-            <a:r>
-              <a:rPr lang="pt-BR" sz="2000" dirty="0" err="1"/>
-              <a:t>p_cod_equipe</a:t>
-            </a:r>
-            <a:r>
-              <a:rPr lang="pt-BR" sz="2000" dirty="0"/>
-              <a:t>, </a:t>
-            </a:r>
-            <a:r>
-              <a:rPr lang="pt-BR" sz="2000" dirty="0" err="1"/>
-              <a:t>p_data_atual</a:t>
-            </a:r>
-            <a:r>
-              <a:rPr lang="pt-BR" sz="2000" dirty="0"/>
-              <a:t>)</a:t>
-            </a:r>
-            <a:endParaRPr lang="pt-BR" sz="2000" dirty="0" smtClean="0"/>
-          </a:p>
-          <a:p>
-            <a:pPr marL="342900" indent="-342900" algn="just">
-              <a:lnSpc>
-                <a:spcPct val="115000"/>
-              </a:lnSpc>
-              <a:buFont typeface="Arial" pitchFamily="34" charset="0"/>
-              <a:buChar char="•"/>
-            </a:pPr>
-            <a:r>
-              <a:rPr lang="pt-BR" sz="2000" dirty="0" err="1" smtClean="0"/>
-              <a:t>fn_aproveitamento_equipe</a:t>
-            </a:r>
-            <a:r>
-              <a:rPr lang="pt-BR" sz="2000" dirty="0" smtClean="0"/>
-              <a:t> </a:t>
-            </a:r>
-            <a:r>
-              <a:rPr lang="pt-BR" sz="2000" dirty="0"/>
-              <a:t>(</a:t>
-            </a:r>
-            <a:r>
-              <a:rPr lang="pt-BR" sz="2000" dirty="0" err="1"/>
-              <a:t>p_cod_equipe</a:t>
-            </a:r>
-            <a:r>
-              <a:rPr lang="pt-BR" sz="2000" dirty="0"/>
-              <a:t>, </a:t>
-            </a:r>
-            <a:r>
-              <a:rPr lang="pt-BR" sz="2000" dirty="0" err="1"/>
-              <a:t>p_data_atual</a:t>
-            </a:r>
-            <a:r>
-              <a:rPr lang="pt-BR" sz="2000" dirty="0" smtClean="0"/>
-              <a:t>)</a:t>
-            </a:r>
-          </a:p>
-          <a:p>
-            <a:pPr marL="342900" indent="-342900" algn="just">
-              <a:lnSpc>
-                <a:spcPct val="115000"/>
-              </a:lnSpc>
-              <a:buFont typeface="Arial" pitchFamily="34" charset="0"/>
-              <a:buChar char="•"/>
-            </a:pPr>
-            <a:r>
-              <a:rPr lang="pt-BR" sz="2000" dirty="0" err="1" smtClean="0"/>
-              <a:t>fn_classificacao</a:t>
-            </a:r>
-            <a:r>
-              <a:rPr lang="pt-BR" sz="2000" dirty="0"/>
-              <a:t> (</a:t>
-            </a:r>
-            <a:r>
-              <a:rPr lang="pt-BR" sz="2000" dirty="0" err="1" smtClean="0"/>
-              <a:t>p_data</a:t>
-            </a:r>
-            <a:r>
-              <a:rPr lang="pt-BR" sz="2000" dirty="0" smtClean="0"/>
-              <a:t>)</a:t>
-            </a:r>
-            <a:endParaRPr lang="pt-BR" sz="2000" dirty="0"/>
-          </a:p>
-        </p:txBody>
-      </p:sp>
+        </p:nvPicPr>
+        <p:blipFill>
+          <a:blip r:embed="rId5">
+            <a:extLst>
+              <a:ext uri="{28A0092B-C50C-407E-A947-70E740481C1C}">
+                <a14:useLocalDpi xmlns:a14="http://schemas.microsoft.com/office/drawing/2010/main" val="0"/>
+              </a:ext>
+            </a:extLst>
+          </a:blip>
+          <a:stretch>
+            <a:fillRect/>
+          </a:stretch>
+        </p:blipFill>
+        <p:spPr>
+          <a:xfrm>
+            <a:off x="100148" y="2058978"/>
+            <a:ext cx="8943703" cy="3472019"/>
+          </a:xfrm>
+          <a:prstGeom prst="rect">
+            <a:avLst/>
+          </a:prstGeom>
+        </p:spPr>
+      </p:pic>
     </p:spTree>
     <p:extLst>
       <p:ext uri="{BB962C8B-B14F-4D97-AF65-F5344CB8AC3E}">
-        <p14:creationId xmlns:p14="http://schemas.microsoft.com/office/powerpoint/2010/main" val="2381535953"/>
+        <p14:creationId xmlns:p14="http://schemas.microsoft.com/office/powerpoint/2010/main" val="729364188"/>
       </p:ext>
     </p:extLst>
   </p:cSld>
@@ -6114,12 +7055,8 @@
               <a:buNone/>
             </a:pPr>
             <a:r>
-              <a:rPr lang="en" dirty="0"/>
-              <a:t>V</a:t>
-            </a:r>
-            <a:r>
               <a:rPr lang="en" dirty="0" smtClean="0"/>
-              <a:t>iew</a:t>
+              <a:t>Sequences e Triggers</a:t>
             </a:r>
             <a:endParaRPr lang="en" dirty="0"/>
           </a:p>
@@ -6171,14 +7108,14 @@
       </p:sp>
       <p:sp>
         <p:nvSpPr>
-          <p:cNvPr id="7" name="Rectangle 1"/>
+          <p:cNvPr id="12" name="Rectangle 1"/>
           <p:cNvSpPr/>
           <p:nvPr/>
         </p:nvSpPr>
         <p:spPr>
           <a:xfrm>
-            <a:off x="304800" y="2544064"/>
-            <a:ext cx="8534400" cy="770147"/>
+            <a:off x="304800" y="2505930"/>
+            <a:ext cx="8534400" cy="1791260"/>
           </a:xfrm>
           <a:prstGeom prst="rect">
             <a:avLst/>
@@ -6198,52 +7135,124 @@
               <a:buChar char="•"/>
             </a:pPr>
             <a:r>
-              <a:rPr lang="pt-BR" sz="2000" dirty="0"/>
-              <a:t>VW_ANALISE_JOGADORES </a:t>
-            </a:r>
-            <a:r>
-              <a:rPr lang="pt-BR" sz="2000" dirty="0" smtClean="0"/>
-              <a:t>(</a:t>
-            </a:r>
-            <a:r>
-              <a:rPr lang="pt-BR" sz="2000" dirty="0" err="1" smtClean="0"/>
-              <a:t>Nome_jogador</a:t>
-            </a:r>
-            <a:r>
-              <a:rPr lang="pt-BR" sz="2000" dirty="0"/>
-              <a:t>, gols, </a:t>
-            </a:r>
-            <a:r>
-              <a:rPr lang="pt-BR" sz="2000" dirty="0" err="1"/>
-              <a:t>Nome_equipe</a:t>
-            </a:r>
-            <a:r>
-              <a:rPr lang="pt-BR" sz="2000" dirty="0"/>
-              <a:t>, </a:t>
-            </a:r>
-            <a:r>
-              <a:rPr lang="pt-BR" sz="2000" dirty="0" err="1"/>
-              <a:t>cartoes_amarelo</a:t>
-            </a:r>
-            <a:r>
-              <a:rPr lang="pt-BR" sz="2000" dirty="0"/>
-              <a:t>, </a:t>
-            </a:r>
-            <a:r>
-              <a:rPr lang="pt-BR" sz="2000" dirty="0" err="1"/>
-              <a:t>cartoes_vermelho</a:t>
-            </a:r>
-            <a:r>
-              <a:rPr lang="pt-BR" sz="2000" dirty="0"/>
-              <a:t>)</a:t>
-            </a:r>
+              <a:rPr lang="pt-BR" sz="2400" dirty="0" err="1" smtClean="0"/>
+              <a:t>Sequences</a:t>
+            </a:r>
+            <a:r>
+              <a:rPr lang="pt-BR" sz="2400" dirty="0" smtClean="0"/>
+              <a:t>:</a:t>
+            </a:r>
+          </a:p>
+          <a:p>
+            <a:pPr marL="342900" lvl="1" indent="-342900" algn="just">
+              <a:lnSpc>
+                <a:spcPct val="115000"/>
+              </a:lnSpc>
+              <a:buFont typeface="Arial" pitchFamily="34" charset="0"/>
+              <a:buChar char="•"/>
+            </a:pPr>
+            <a:endParaRPr lang="pt-BR" sz="2400" dirty="0" smtClean="0"/>
+          </a:p>
+          <a:p>
+            <a:pPr lvl="1" algn="just">
+              <a:lnSpc>
+                <a:spcPct val="115000"/>
+              </a:lnSpc>
+            </a:pPr>
+            <a:endParaRPr lang="pt-BR" sz="2400" dirty="0" smtClean="0"/>
+          </a:p>
+          <a:p>
+            <a:pPr marL="342900" lvl="1" indent="-342900" algn="just">
+              <a:lnSpc>
+                <a:spcPct val="115000"/>
+              </a:lnSpc>
+              <a:buFont typeface="Arial" pitchFamily="34" charset="0"/>
+              <a:buChar char="•"/>
+            </a:pPr>
+            <a:r>
+              <a:rPr lang="pt-BR" sz="2400" dirty="0" smtClean="0"/>
+              <a:t>Triggers:</a:t>
+            </a:r>
+            <a:endParaRPr lang="pt-BR" sz="2400" dirty="0"/>
+          </a:p>
+        </p:txBody>
+      </p:sp>
+      <p:sp>
+        <p:nvSpPr>
+          <p:cNvPr id="2" name="CaixaDeTexto 1"/>
+          <p:cNvSpPr txBox="1"/>
+          <p:nvPr/>
+        </p:nvSpPr>
+        <p:spPr>
+          <a:xfrm>
+            <a:off x="922946" y="3032228"/>
+            <a:ext cx="6648628" cy="369332"/>
+          </a:xfrm>
+          <a:prstGeom prst="rect">
+            <a:avLst/>
+          </a:prstGeom>
+          <a:noFill/>
+        </p:spPr>
+        <p:txBody>
+          <a:bodyPr wrap="square" rtlCol="0">
+            <a:spAutoFit/>
+          </a:bodyPr>
+          <a:lstStyle/>
+          <a:p>
+            <a:pPr marL="285750" indent="-285750">
+              <a:buFont typeface="Arial" pitchFamily="34" charset="0"/>
+              <a:buChar char="•"/>
+            </a:pPr>
+            <a:r>
+              <a:rPr lang="pt-BR" sz="1800" dirty="0" smtClean="0"/>
+              <a:t>Geração das chaves primárias</a:t>
+            </a:r>
+            <a:endParaRPr lang="pt-BR" sz="1800" dirty="0"/>
+          </a:p>
+        </p:txBody>
+      </p:sp>
+      <p:sp>
+        <p:nvSpPr>
+          <p:cNvPr id="15" name="CaixaDeTexto 14"/>
+          <p:cNvSpPr txBox="1"/>
+          <p:nvPr/>
+        </p:nvSpPr>
+        <p:spPr>
+          <a:xfrm>
+            <a:off x="922946" y="4333888"/>
+            <a:ext cx="7916254" cy="646331"/>
+          </a:xfrm>
+          <a:prstGeom prst="rect">
+            <a:avLst/>
+          </a:prstGeom>
+          <a:noFill/>
+        </p:spPr>
+        <p:txBody>
+          <a:bodyPr wrap="square" rtlCol="0">
+            <a:spAutoFit/>
+          </a:bodyPr>
+          <a:lstStyle/>
+          <a:p>
+            <a:pPr marL="285750" indent="-285750">
+              <a:buFont typeface="Arial" pitchFamily="34" charset="0"/>
+              <a:buChar char="•"/>
+            </a:pPr>
+            <a:r>
+              <a:rPr lang="pt-BR" sz="1800" dirty="0" smtClean="0"/>
+              <a:t>Disparadas durante a inserção de dados no banco, chamando as </a:t>
+            </a:r>
+            <a:r>
+              <a:rPr lang="pt-BR" sz="1800" dirty="0" err="1" smtClean="0"/>
+              <a:t>sequences</a:t>
+            </a:r>
+            <a:endParaRPr lang="pt-BR" sz="1800" dirty="0"/>
           </a:p>
         </p:txBody>
       </p:sp>
     </p:spTree>
     <p:extLst>
       <p:ext uri="{BB962C8B-B14F-4D97-AF65-F5344CB8AC3E}">
-        <p14:creationId xmlns:p14="http://schemas.microsoft.com/office/powerpoint/2010/main" val="1368824273"/>
+        <p14:creationId xmlns:p14="http://schemas.microsoft.com/office/powerpoint/2010/main" val="4228348725"/>
       </p:ext>
     </p:extLst>
   </p:cSld>
@@ -6310,7 +7319,7 @@
             </a:pPr>
             <a:r>
               <a:rPr lang="en" dirty="0" smtClean="0"/>
-              <a:t>Package</a:t>
+              <a:t>Procedures</a:t>
             </a:r>
             <a:endParaRPr lang="en" dirty="0"/>
           </a:p>
@@ -6368,8 +7377,8 @@
         </p:nvSpPr>
         <p:spPr>
           <a:xfrm>
-            <a:off x="304800" y="2544064"/>
-            <a:ext cx="8534400" cy="2569934"/>
+            <a:off x="304800" y="2505930"/>
+            <a:ext cx="8534400" cy="1791260"/>
           </a:xfrm>
           <a:prstGeom prst="rect">
             <a:avLst/>
@@ -6389,152 +7398,99 @@
               <a:buChar char="•"/>
             </a:pPr>
             <a:r>
-              <a:rPr lang="pt-BR" sz="2000" dirty="0" smtClean="0"/>
-              <a:t>PKG_JOGO</a:t>
-            </a:r>
-          </a:p>
-          <a:p>
-            <a:pPr marL="342900" indent="-342900" algn="just">
+              <a:rPr lang="pt-BR" sz="2400" dirty="0"/>
+              <a:t>s</a:t>
+            </a:r>
+            <a:r>
+              <a:rPr lang="pt-BR" sz="2400" dirty="0" smtClean="0"/>
+              <a:t>p_insere_cartao </a:t>
+            </a:r>
+            <a:r>
+              <a:rPr lang="pt-BR" sz="2400" dirty="0"/>
+              <a:t>(</a:t>
+            </a:r>
+            <a:r>
+              <a:rPr lang="pt-BR" sz="2400" dirty="0" smtClean="0"/>
+              <a:t>v_cod_jogador</a:t>
+            </a:r>
+            <a:r>
+              <a:rPr lang="pt-BR" sz="2400" dirty="0"/>
+              <a:t>, </a:t>
+            </a:r>
+            <a:r>
+              <a:rPr lang="pt-BR" sz="2400" dirty="0" smtClean="0"/>
+              <a:t>v_descricao_cartao)</a:t>
+            </a:r>
+          </a:p>
+          <a:p>
+            <a:pPr marL="342900" lvl="1" indent="-342900" algn="just">
               <a:lnSpc>
                 <a:spcPct val="115000"/>
               </a:lnSpc>
               <a:buFont typeface="Arial" pitchFamily="34" charset="0"/>
               <a:buChar char="•"/>
             </a:pPr>
-            <a:endParaRPr lang="pt-BR" sz="2000" dirty="0"/>
-          </a:p>
-          <a:p>
-            <a:pPr marL="342900" indent="-342900" algn="just">
+            <a:endParaRPr lang="pt-BR" sz="2400" dirty="0" smtClean="0"/>
+          </a:p>
+          <a:p>
+            <a:pPr marL="342900" lvl="1" indent="-342900" algn="just">
               <a:lnSpc>
                 <a:spcPct val="115000"/>
               </a:lnSpc>
               <a:buFont typeface="Arial" pitchFamily="34" charset="0"/>
               <a:buChar char="•"/>
             </a:pPr>
-            <a:endParaRPr lang="pt-BR" sz="2000" dirty="0" smtClean="0"/>
-          </a:p>
-          <a:p>
-            <a:pPr marL="342900" indent="-342900" algn="just">
-              <a:lnSpc>
-                <a:spcPct val="115000"/>
-              </a:lnSpc>
-              <a:buFont typeface="Arial" pitchFamily="34" charset="0"/>
-              <a:buChar char="•"/>
-            </a:pPr>
-            <a:endParaRPr lang="pt-BR" sz="2000" dirty="0"/>
-          </a:p>
-          <a:p>
-            <a:pPr marL="342900" indent="-342900" algn="just">
-              <a:lnSpc>
-                <a:spcPct val="115000"/>
-              </a:lnSpc>
-              <a:buFont typeface="Arial" pitchFamily="34" charset="0"/>
-              <a:buChar char="•"/>
-            </a:pPr>
-            <a:r>
-              <a:rPr lang="pt-BR" sz="2000" dirty="0" smtClean="0"/>
-              <a:t>PKG_TABELA</a:t>
-            </a:r>
-          </a:p>
-          <a:p>
-            <a:pPr algn="just">
-              <a:lnSpc>
-                <a:spcPct val="115000"/>
-              </a:lnSpc>
-            </a:pPr>
-            <a:endParaRPr lang="pt-BR" sz="2000" dirty="0" smtClean="0"/>
-          </a:p>
-          <a:p>
-            <a:pPr algn="just">
-              <a:lnSpc>
-                <a:spcPct val="115000"/>
-              </a:lnSpc>
-            </a:pPr>
-            <a:endParaRPr lang="pt-BR" sz="2000" dirty="0"/>
-          </a:p>
-        </p:txBody>
-      </p:sp>
-      <p:sp>
-        <p:nvSpPr>
-          <p:cNvPr id="2" name="CaixaDeTexto 1"/>
-          <p:cNvSpPr txBox="1"/>
-          <p:nvPr/>
-        </p:nvSpPr>
-        <p:spPr>
-          <a:xfrm>
-            <a:off x="965674" y="3021117"/>
-            <a:ext cx="3922519" cy="646331"/>
-          </a:xfrm>
-          <a:prstGeom prst="rect">
-            <a:avLst/>
-          </a:prstGeom>
-          <a:noFill/>
-        </p:spPr>
-        <p:txBody>
-          <a:bodyPr wrap="square" rtlCol="0">
-            <a:spAutoFit/>
-          </a:bodyPr>
-          <a:lstStyle/>
-          <a:p>
-            <a:pPr marL="285750" indent="-285750">
-              <a:buFont typeface="Arial" pitchFamily="34" charset="0"/>
-              <a:buChar char="•"/>
-            </a:pPr>
-            <a:r>
-              <a:rPr lang="pt-BR" sz="1800" dirty="0" smtClean="0"/>
-              <a:t>sp_insere_cartao</a:t>
-            </a:r>
-          </a:p>
-          <a:p>
-            <a:pPr marL="285750" indent="-285750">
-              <a:buFont typeface="Arial" pitchFamily="34" charset="0"/>
-              <a:buChar char="•"/>
-            </a:pPr>
-            <a:r>
-              <a:rPr lang="pt-BR" sz="1800" dirty="0"/>
+            <a:r>
+              <a:rPr lang="pt-BR" sz="2400" dirty="0" smtClean="0"/>
               <a:t>sp_insere_gol_partida</a:t>
             </a:r>
-          </a:p>
-        </p:txBody>
-      </p:sp>
-      <p:sp>
-        <p:nvSpPr>
-          <p:cNvPr id="7" name="CaixaDeTexto 6"/>
-          <p:cNvSpPr txBox="1"/>
-          <p:nvPr/>
-        </p:nvSpPr>
-        <p:spPr>
-          <a:xfrm>
-            <a:off x="965674" y="4431081"/>
-            <a:ext cx="3922519" cy="369332"/>
-          </a:xfrm>
-          <a:prstGeom prst="rect">
-            <a:avLst/>
-          </a:prstGeom>
-          <a:noFill/>
-        </p:spPr>
-        <p:txBody>
-          <a:bodyPr wrap="square" rtlCol="0">
-            <a:spAutoFit/>
-          </a:bodyPr>
-          <a:lstStyle/>
-          <a:p>
-            <a:pPr marL="285750" indent="-285750">
-              <a:buFont typeface="Arial" pitchFamily="34" charset="0"/>
-              <a:buChar char="•"/>
-            </a:pPr>
-            <a:r>
-              <a:rPr lang="pt-BR" sz="1800" dirty="0" smtClean="0"/>
-              <a:t>Funções da Tabela</a:t>
-            </a:r>
-            <a:endParaRPr lang="pt-BR" sz="1800" dirty="0"/>
+            <a:r>
+              <a:rPr lang="pt-BR" sz="2400" dirty="0"/>
+              <a:t> (</a:t>
+            </a:r>
+            <a:r>
+              <a:rPr lang="pt-BR" sz="2400" dirty="0" smtClean="0"/>
+              <a:t>p_rodada</a:t>
+            </a:r>
+            <a:r>
+              <a:rPr lang="pt-BR" sz="2400" dirty="0"/>
+              <a:t>, </a:t>
+            </a:r>
+            <a:r>
+              <a:rPr lang="pt-BR" sz="2400" dirty="0" smtClean="0"/>
+              <a:t>p_nome_mandante</a:t>
+            </a:r>
+            <a:r>
+              <a:rPr lang="pt-BR" sz="2400" dirty="0"/>
+              <a:t>, </a:t>
+            </a:r>
+            <a:r>
+              <a:rPr lang="pt-BR" sz="2400" dirty="0" smtClean="0"/>
+              <a:t>p_gol_mandante</a:t>
+            </a:r>
+            <a:r>
+              <a:rPr lang="pt-BR" sz="2400" dirty="0"/>
+              <a:t>, </a:t>
+            </a:r>
+            <a:r>
+              <a:rPr lang="pt-BR" sz="2400" dirty="0" smtClean="0"/>
+              <a:t>p_gol_visitante</a:t>
+            </a:r>
+            <a:r>
+              <a:rPr lang="pt-BR" sz="2400" dirty="0"/>
+              <a:t>, </a:t>
+            </a:r>
+            <a:r>
+              <a:rPr lang="pt-BR" sz="2400" dirty="0" smtClean="0"/>
+              <a:t>p_nome_visitante)</a:t>
+            </a:r>
           </a:p>
         </p:txBody>
       </p:sp>
     </p:spTree>
     <p:extLst>
       <p:ext uri="{BB962C8B-B14F-4D97-AF65-F5344CB8AC3E}">
-        <p14:creationId xmlns:p14="http://schemas.microsoft.com/office/powerpoint/2010/main" val="882141872"/>
+        <p14:creationId xmlns:p14="http://schemas.microsoft.com/office/powerpoint/2010/main" val="1557917323"/>
       </p:ext>
     </p:extLst>
   </p:cSld>
@@ -6601,7 +7557,7 @@
             </a:pPr>
             <a:r>
               <a:rPr lang="en" dirty="0" smtClean="0"/>
-              <a:t>Objeto Relacional</a:t>
+              <a:t>Functions</a:t>
             </a:r>
             <a:endParaRPr lang="en" dirty="0"/>
           </a:p>
@@ -6653,14 +7609,14 @@
       </p:sp>
       <p:sp>
         <p:nvSpPr>
-          <p:cNvPr id="5" name="Rectangle 1"/>
+          <p:cNvPr id="2" name="Rectangle 1"/>
           <p:cNvSpPr/>
           <p:nvPr/>
         </p:nvSpPr>
         <p:spPr>
           <a:xfrm>
-            <a:off x="304800" y="2552138"/>
-            <a:ext cx="8534400" cy="2363724"/>
+            <a:off x="304800" y="2158991"/>
+            <a:ext cx="8534400" cy="4339650"/>
           </a:xfrm>
           <a:prstGeom prst="rect">
             <a:avLst/>
@@ -6671,38 +7627,6 @@
             <a:spAutoFit/>
           </a:bodyPr>
           <a:lstStyle/>
-          <a:p>
-            <a:pPr marL="342900" lvl="0" indent="-342900">
-              <a:buFont typeface="Arial" pitchFamily="34" charset="0"/>
-              <a:buChar char="•"/>
-            </a:pPr>
-            <a:r>
-              <a:rPr lang="pt-BR" sz="2400" dirty="0"/>
-              <a:t>t_obj_classificacao (nome_time, pontuacao, qtd_jogos, qtd_vitorias, qtd_empates, qtd_derrotas, gols_pro, gols_contra, gols_saldo, aproveitamento</a:t>
-            </a:r>
-            <a:r>
-              <a:rPr lang="pt-BR" sz="2400" dirty="0" smtClean="0"/>
-              <a:t>)</a:t>
-            </a:r>
-          </a:p>
-          <a:p>
-            <a:pPr marL="342900" lvl="0" indent="-342900">
-              <a:buFont typeface="Arial" pitchFamily="34" charset="0"/>
-              <a:buChar char="•"/>
-            </a:pPr>
-            <a:endParaRPr lang="pt-BR" sz="2400" dirty="0"/>
-          </a:p>
-          <a:p>
-            <a:pPr marL="342900" lvl="0" indent="-342900">
-              <a:buFont typeface="Arial" pitchFamily="34" charset="0"/>
-              <a:buChar char="•"/>
-            </a:pPr>
-            <a:r>
-              <a:rPr lang="pt-BR" sz="2400" dirty="0" smtClean="0"/>
-              <a:t>t_ret_classificacao (t_obj_classificacao)</a:t>
-            </a:r>
-            <a:endParaRPr lang="pt-BR" sz="2400" dirty="0"/>
-          </a:p>
           <a:p>
             <a:pPr marL="342900" indent="-342900" algn="just">
               <a:lnSpc>
@@ -6711,14 +7635,404 @@
               <a:buFont typeface="Arial" pitchFamily="34" charset="0"/>
               <a:buChar char="•"/>
             </a:pPr>
-            <a:endParaRPr lang="pt-BR" sz="2400" dirty="0"/>
+            <a:r>
+              <a:rPr lang="pt-BR" sz="2000" dirty="0" err="1" smtClean="0"/>
+              <a:t>fn_cartoes_amarelo</a:t>
+            </a:r>
+            <a:r>
+              <a:rPr lang="pt-BR" sz="2000" dirty="0"/>
+              <a:t> (</a:t>
+            </a:r>
+            <a:r>
+              <a:rPr lang="pt-BR" sz="2000" dirty="0" smtClean="0"/>
+              <a:t>v_cod_jogador)</a:t>
+            </a:r>
+          </a:p>
+          <a:p>
+            <a:pPr marL="342900" indent="-342900" algn="just">
+              <a:lnSpc>
+                <a:spcPct val="115000"/>
+              </a:lnSpc>
+              <a:buFont typeface="Arial" pitchFamily="34" charset="0"/>
+              <a:buChar char="•"/>
+            </a:pPr>
+            <a:r>
+              <a:rPr lang="pt-BR" sz="2000" dirty="0" err="1"/>
+              <a:t>fn_cartoes_vermelho</a:t>
+            </a:r>
+            <a:r>
+              <a:rPr lang="pt-BR" sz="2000" dirty="0"/>
+              <a:t> </a:t>
+            </a:r>
+            <a:r>
+              <a:rPr lang="pt-BR" sz="2000" dirty="0" smtClean="0"/>
+              <a:t>(v_cod_jogador)</a:t>
+            </a:r>
+          </a:p>
+          <a:p>
+            <a:pPr marL="342900" indent="-342900" algn="just">
+              <a:lnSpc>
+                <a:spcPct val="115000"/>
+              </a:lnSpc>
+              <a:buFont typeface="Arial" pitchFamily="34" charset="0"/>
+              <a:buChar char="•"/>
+            </a:pPr>
+            <a:r>
+              <a:rPr lang="pt-BR" sz="2000" dirty="0" err="1" smtClean="0"/>
+              <a:t>fn_pontuacao_equipe</a:t>
+            </a:r>
+            <a:r>
+              <a:rPr lang="pt-BR" sz="2000" dirty="0"/>
+              <a:t> (</a:t>
+            </a:r>
+            <a:r>
+              <a:rPr lang="pt-BR" sz="2000" dirty="0" err="1" smtClean="0"/>
+              <a:t>p_cod_equipe</a:t>
+            </a:r>
+            <a:r>
+              <a:rPr lang="pt-BR" sz="2000" dirty="0"/>
+              <a:t>, </a:t>
+            </a:r>
+            <a:r>
+              <a:rPr lang="pt-BR" sz="2000" dirty="0" err="1" smtClean="0"/>
+              <a:t>p_data_atual</a:t>
+            </a:r>
+            <a:r>
+              <a:rPr lang="pt-BR" sz="2000" dirty="0" smtClean="0"/>
+              <a:t>)</a:t>
+            </a:r>
+          </a:p>
+          <a:p>
+            <a:pPr marL="342900" indent="-342900" algn="just">
+              <a:lnSpc>
+                <a:spcPct val="115000"/>
+              </a:lnSpc>
+              <a:buFont typeface="Arial" pitchFamily="34" charset="0"/>
+              <a:buChar char="•"/>
+            </a:pPr>
+            <a:r>
+              <a:rPr lang="pt-BR" sz="2000" dirty="0" err="1" smtClean="0"/>
+              <a:t>fn_qtd_jogos_equipe</a:t>
+            </a:r>
+            <a:r>
+              <a:rPr lang="pt-BR" sz="2000" dirty="0"/>
+              <a:t> (</a:t>
+            </a:r>
+            <a:r>
+              <a:rPr lang="pt-BR" sz="2000" dirty="0" err="1"/>
+              <a:t>p_cod_equipe</a:t>
+            </a:r>
+            <a:r>
+              <a:rPr lang="pt-BR" sz="2000" dirty="0"/>
+              <a:t>, </a:t>
+            </a:r>
+            <a:r>
+              <a:rPr lang="pt-BR" sz="2000" dirty="0" err="1"/>
+              <a:t>p_data_atual</a:t>
+            </a:r>
+            <a:r>
+              <a:rPr lang="pt-BR" sz="2000" dirty="0"/>
+              <a:t>)</a:t>
+            </a:r>
+            <a:endParaRPr lang="pt-BR" sz="2000" dirty="0" smtClean="0"/>
+          </a:p>
+          <a:p>
+            <a:pPr marL="342900" indent="-342900" algn="just">
+              <a:lnSpc>
+                <a:spcPct val="115000"/>
+              </a:lnSpc>
+              <a:buFont typeface="Arial" pitchFamily="34" charset="0"/>
+              <a:buChar char="•"/>
+            </a:pPr>
+            <a:r>
+              <a:rPr lang="pt-BR" sz="2000" dirty="0" err="1" smtClean="0"/>
+              <a:t>fn_vitoria_equipe</a:t>
+            </a:r>
+            <a:r>
+              <a:rPr lang="pt-BR" sz="2000" dirty="0" smtClean="0"/>
+              <a:t> </a:t>
+            </a:r>
+            <a:r>
+              <a:rPr lang="pt-BR" sz="2000" dirty="0"/>
+              <a:t>(</a:t>
+            </a:r>
+            <a:r>
+              <a:rPr lang="pt-BR" sz="2000" dirty="0" err="1"/>
+              <a:t>p_cod_equipe</a:t>
+            </a:r>
+            <a:r>
+              <a:rPr lang="pt-BR" sz="2000" dirty="0"/>
+              <a:t>, </a:t>
+            </a:r>
+            <a:r>
+              <a:rPr lang="pt-BR" sz="2000" dirty="0" err="1"/>
+              <a:t>p_data_atual</a:t>
+            </a:r>
+            <a:r>
+              <a:rPr lang="pt-BR" sz="2000" dirty="0"/>
+              <a:t>)</a:t>
+            </a:r>
+            <a:endParaRPr lang="pt-BR" sz="2000" dirty="0" smtClean="0"/>
+          </a:p>
+          <a:p>
+            <a:pPr marL="342900" indent="-342900" algn="just">
+              <a:lnSpc>
+                <a:spcPct val="115000"/>
+              </a:lnSpc>
+              <a:buFont typeface="Arial" pitchFamily="34" charset="0"/>
+              <a:buChar char="•"/>
+            </a:pPr>
+            <a:r>
+              <a:rPr lang="pt-BR" sz="2000" dirty="0" err="1" smtClean="0"/>
+              <a:t>fn_derrota_equipe</a:t>
+            </a:r>
+            <a:r>
+              <a:rPr lang="pt-BR" sz="2000" dirty="0" smtClean="0"/>
+              <a:t> </a:t>
+            </a:r>
+            <a:r>
+              <a:rPr lang="pt-BR" sz="2000" dirty="0"/>
+              <a:t>(</a:t>
+            </a:r>
+            <a:r>
+              <a:rPr lang="pt-BR" sz="2000" dirty="0" err="1"/>
+              <a:t>p_cod_equipe</a:t>
+            </a:r>
+            <a:r>
+              <a:rPr lang="pt-BR" sz="2000" dirty="0"/>
+              <a:t>, </a:t>
+            </a:r>
+            <a:r>
+              <a:rPr lang="pt-BR" sz="2000" dirty="0" err="1"/>
+              <a:t>p_data_atual</a:t>
+            </a:r>
+            <a:r>
+              <a:rPr lang="pt-BR" sz="2000" dirty="0"/>
+              <a:t>)</a:t>
+            </a:r>
+            <a:endParaRPr lang="pt-BR" sz="2000" dirty="0" smtClean="0"/>
+          </a:p>
+          <a:p>
+            <a:pPr marL="342900" indent="-342900" algn="just">
+              <a:lnSpc>
+                <a:spcPct val="115000"/>
+              </a:lnSpc>
+              <a:buFont typeface="Arial" pitchFamily="34" charset="0"/>
+              <a:buChar char="•"/>
+            </a:pPr>
+            <a:r>
+              <a:rPr lang="pt-BR" sz="2000" dirty="0" err="1" smtClean="0"/>
+              <a:t>fn_empate_equipe</a:t>
+            </a:r>
+            <a:r>
+              <a:rPr lang="pt-BR" sz="2000" dirty="0" smtClean="0"/>
+              <a:t> </a:t>
+            </a:r>
+            <a:r>
+              <a:rPr lang="pt-BR" sz="2000" dirty="0"/>
+              <a:t>(</a:t>
+            </a:r>
+            <a:r>
+              <a:rPr lang="pt-BR" sz="2000" dirty="0" err="1"/>
+              <a:t>p_cod_equipe</a:t>
+            </a:r>
+            <a:r>
+              <a:rPr lang="pt-BR" sz="2000" dirty="0"/>
+              <a:t>, </a:t>
+            </a:r>
+            <a:r>
+              <a:rPr lang="pt-BR" sz="2000" dirty="0" err="1"/>
+              <a:t>p_data_atual</a:t>
+            </a:r>
+            <a:r>
+              <a:rPr lang="pt-BR" sz="2000" dirty="0"/>
+              <a:t>)</a:t>
+            </a:r>
+            <a:endParaRPr lang="pt-BR" sz="2000" dirty="0" smtClean="0"/>
+          </a:p>
+          <a:p>
+            <a:pPr marL="342900" indent="-342900" algn="just">
+              <a:lnSpc>
+                <a:spcPct val="115000"/>
+              </a:lnSpc>
+              <a:buFont typeface="Arial" pitchFamily="34" charset="0"/>
+              <a:buChar char="•"/>
+            </a:pPr>
+            <a:r>
+              <a:rPr lang="pt-BR" sz="2000" dirty="0" err="1" smtClean="0"/>
+              <a:t>fn_gol_pro_equipe</a:t>
+            </a:r>
+            <a:r>
+              <a:rPr lang="pt-BR" sz="2000" dirty="0" smtClean="0"/>
+              <a:t> </a:t>
+            </a:r>
+            <a:r>
+              <a:rPr lang="pt-BR" sz="2000" dirty="0"/>
+              <a:t>(</a:t>
+            </a:r>
+            <a:r>
+              <a:rPr lang="pt-BR" sz="2000" dirty="0" err="1"/>
+              <a:t>p_cod_equipe</a:t>
+            </a:r>
+            <a:r>
+              <a:rPr lang="pt-BR" sz="2000" dirty="0"/>
+              <a:t>, </a:t>
+            </a:r>
+            <a:r>
+              <a:rPr lang="pt-BR" sz="2000" dirty="0" err="1"/>
+              <a:t>p_data_atual</a:t>
+            </a:r>
+            <a:r>
+              <a:rPr lang="pt-BR" sz="2000" dirty="0"/>
+              <a:t>)</a:t>
+            </a:r>
+            <a:endParaRPr lang="pt-BR" sz="2000" dirty="0" smtClean="0"/>
+          </a:p>
+          <a:p>
+            <a:pPr marL="342900" indent="-342900" algn="just">
+              <a:lnSpc>
+                <a:spcPct val="115000"/>
+              </a:lnSpc>
+              <a:buFont typeface="Arial" pitchFamily="34" charset="0"/>
+              <a:buChar char="•"/>
+            </a:pPr>
+            <a:r>
+              <a:rPr lang="pt-BR" sz="2000" dirty="0" err="1" smtClean="0"/>
+              <a:t>fn_gol_contra_equipe</a:t>
+            </a:r>
+            <a:r>
+              <a:rPr lang="pt-BR" sz="2000" dirty="0" smtClean="0"/>
+              <a:t> </a:t>
+            </a:r>
+            <a:r>
+              <a:rPr lang="pt-BR" sz="2000" dirty="0"/>
+              <a:t>(</a:t>
+            </a:r>
+            <a:r>
+              <a:rPr lang="pt-BR" sz="2000" dirty="0" err="1"/>
+              <a:t>p_cod_equipe</a:t>
+            </a:r>
+            <a:r>
+              <a:rPr lang="pt-BR" sz="2000" dirty="0"/>
+              <a:t>, </a:t>
+            </a:r>
+            <a:r>
+              <a:rPr lang="pt-BR" sz="2000" dirty="0" err="1"/>
+              <a:t>p_data_atual</a:t>
+            </a:r>
+            <a:r>
+              <a:rPr lang="pt-BR" sz="2000" dirty="0"/>
+              <a:t>)</a:t>
+            </a:r>
+            <a:endParaRPr lang="pt-BR" sz="2000" dirty="0" smtClean="0"/>
+          </a:p>
+          <a:p>
+            <a:pPr marL="342900" indent="-342900" algn="just">
+              <a:lnSpc>
+                <a:spcPct val="115000"/>
+              </a:lnSpc>
+              <a:buFont typeface="Arial" pitchFamily="34" charset="0"/>
+              <a:buChar char="•"/>
+            </a:pPr>
+            <a:r>
+              <a:rPr lang="pt-BR" sz="2000" dirty="0" err="1" smtClean="0"/>
+              <a:t>fn_saldo_gol_equipe</a:t>
+            </a:r>
+            <a:r>
+              <a:rPr lang="pt-BR" sz="2000" dirty="0" smtClean="0"/>
+              <a:t> </a:t>
+            </a:r>
+            <a:r>
+              <a:rPr lang="pt-BR" sz="2000" dirty="0"/>
+              <a:t>(</a:t>
+            </a:r>
+            <a:r>
+              <a:rPr lang="pt-BR" sz="2000" dirty="0" err="1"/>
+              <a:t>p_cod_equipe</a:t>
+            </a:r>
+            <a:r>
+              <a:rPr lang="pt-BR" sz="2000" dirty="0"/>
+              <a:t>, </a:t>
+            </a:r>
+            <a:r>
+              <a:rPr lang="pt-BR" sz="2000" dirty="0" err="1"/>
+              <a:t>p_data_atual</a:t>
+            </a:r>
+            <a:r>
+              <a:rPr lang="pt-BR" sz="2000" dirty="0"/>
+              <a:t>)</a:t>
+            </a:r>
+            <a:endParaRPr lang="pt-BR" sz="2000" dirty="0" smtClean="0"/>
+          </a:p>
+          <a:p>
+            <a:pPr marL="342900" indent="-342900" algn="just">
+              <a:lnSpc>
+                <a:spcPct val="115000"/>
+              </a:lnSpc>
+              <a:buFont typeface="Arial" pitchFamily="34" charset="0"/>
+              <a:buChar char="•"/>
+            </a:pPr>
+            <a:r>
+              <a:rPr lang="pt-BR" sz="2000" dirty="0" err="1" smtClean="0"/>
+              <a:t>fn_aproveitamento_equipe</a:t>
+            </a:r>
+            <a:r>
+              <a:rPr lang="pt-BR" sz="2000" dirty="0" smtClean="0"/>
+              <a:t> </a:t>
+            </a:r>
+            <a:r>
+              <a:rPr lang="pt-BR" sz="2000" dirty="0"/>
+              <a:t>(</a:t>
+            </a:r>
+            <a:r>
+              <a:rPr lang="pt-BR" sz="2000" dirty="0" err="1"/>
+              <a:t>p_cod_equipe</a:t>
+            </a:r>
+            <a:r>
+              <a:rPr lang="pt-BR" sz="2000" dirty="0"/>
+              <a:t>, </a:t>
+            </a:r>
+            <a:r>
+              <a:rPr lang="pt-BR" sz="2000" dirty="0" err="1"/>
+              <a:t>p_data_atual</a:t>
+            </a:r>
+            <a:r>
+              <a:rPr lang="pt-BR" sz="2000" dirty="0" smtClean="0"/>
+              <a:t>)</a:t>
+            </a:r>
+          </a:p>
+          <a:p>
+            <a:pPr marL="342900" indent="-342900" algn="just">
+              <a:lnSpc>
+                <a:spcPct val="115000"/>
+              </a:lnSpc>
+              <a:buFont typeface="Arial" pitchFamily="34" charset="0"/>
+              <a:buChar char="•"/>
+            </a:pPr>
+            <a:r>
+              <a:rPr lang="pt-BR" sz="2000" dirty="0" err="1" smtClean="0"/>
+              <a:t>fn_classificacao</a:t>
+            </a:r>
+            <a:r>
+              <a:rPr lang="pt-BR" sz="2000" dirty="0"/>
+              <a:t> (</a:t>
+            </a:r>
+            <a:r>
+              <a:rPr lang="pt-BR" sz="2000" dirty="0" err="1" smtClean="0"/>
+              <a:t>p_data</a:t>
+            </a:r>
+            <a:r>
+              <a:rPr lang="pt-BR" sz="2000" dirty="0" smtClean="0"/>
+              <a:t>)</a:t>
+            </a:r>
+            <a:endParaRPr lang="pt-BR" sz="2000" dirty="0"/>
           </a:p>
         </p:txBody>
       </p:sp>
     </p:spTree>
     <p:extLst>
       <p:ext uri="{BB962C8B-B14F-4D97-AF65-F5344CB8AC3E}">
-        <p14:creationId xmlns:p14="http://schemas.microsoft.com/office/powerpoint/2010/main" val="2961402335"/>
+        <p14:creationId xmlns:p14="http://schemas.microsoft.com/office/powerpoint/2010/main" val="2381535953"/>
       </p:ext>
     </p:extLst>
   </p:cSld>

--- a/Trabalho_final/apresentacao.pptx
+++ b/Trabalho_final/apresentacao.pptx
@@ -232,7 +232,7 @@
   </p:defaultTextStyle>
   <p:extLst>
     <p:ext uri="{EFAFB233-063F-42B5-8137-9DF3F51BA10A}">
-      <p15:sldGuideLst xmlns:p15="http://schemas.microsoft.com/office/powerpoint/2012/main">
+      <p15:sldGuideLst xmlns:p15="http://schemas.microsoft.com/office/powerpoint/2012/main" xmlns="">
         <p15:guide id="1" orient="horz" pos="2160">
           <p15:clr>
             <a:srgbClr val="A4A3A4"/>
@@ -6082,26 +6082,130 @@
       </p:sp>
       <p:pic>
         <p:nvPicPr>
-          <p:cNvPr id="2" name="Picture 1"/>
+          <p:cNvPr id="1026" name="Picture 2"/>
           <p:cNvPicPr>
-            <a:picLocks noChangeAspect="1"/>
+            <a:picLocks noChangeAspect="1" noChangeArrowheads="1"/>
           </p:cNvPicPr>
           <p:nvPr/>
         </p:nvPicPr>
         <p:blipFill>
-          <a:blip r:embed="rId5"/>
+          <a:blip r:embed="rId5">
+            <a:extLst>
+              <a:ext uri="{28A0092B-C50C-407E-A947-70E740481C1C}">
+                <a14:useLocalDpi xmlns:a14="http://schemas.microsoft.com/office/drawing/2010/main" val="0"/>
+              </a:ext>
+            </a:extLst>
+          </a:blip>
+          <a:srcRect/>
           <a:stretch>
             <a:fillRect/>
           </a:stretch>
         </p:blipFill>
-        <p:spPr>
-          <a:xfrm>
-            <a:off x="2176190" y="1787771"/>
-            <a:ext cx="4791619" cy="4503834"/>
-          </a:xfrm>
-          <a:prstGeom prst="rect">
-            <a:avLst/>
-          </a:prstGeom>
+        <p:spPr bwMode="auto">
+          <a:xfrm>
+            <a:off x="346203" y="2300806"/>
+            <a:ext cx="4118699" cy="3526020"/>
+          </a:xfrm>
+          <a:prstGeom prst="rect">
+            <a:avLst/>
+          </a:prstGeom>
+          <a:noFill/>
+          <a:ln>
+            <a:noFill/>
+          </a:ln>
+          <a:effectLst/>
+          <a:extLst>
+            <a:ext uri="{909E8E84-426E-40DD-AFC4-6F175D3DCCD1}">
+              <a14:hiddenFill xmlns:a14="http://schemas.microsoft.com/office/drawing/2010/main">
+                <a:solidFill>
+                  <a:schemeClr val="accent1"/>
+                </a:solidFill>
+              </a14:hiddenFill>
+            </a:ext>
+            <a:ext uri="{91240B29-F687-4F45-9708-019B960494DF}">
+              <a14:hiddenLine xmlns:a14="http://schemas.microsoft.com/office/drawing/2010/main" w="9525">
+                <a:solidFill>
+                  <a:schemeClr val="tx1"/>
+                </a:solidFill>
+                <a:miter lim="800000"/>
+                <a:headEnd/>
+                <a:tailEnd/>
+              </a14:hiddenLine>
+            </a:ext>
+            <a:ext uri="{AF507438-7753-43E0-B8FC-AC1667EBCBE1}">
+              <a14:hiddenEffects xmlns:a14="http://schemas.microsoft.com/office/drawing/2010/main">
+                <a:effectLst>
+                  <a:outerShdw dist="35921" dir="2700000" algn="ctr" rotWithShape="0">
+                    <a:schemeClr val="bg2"/>
+                  </a:outerShdw>
+                </a:effectLst>
+              </a14:hiddenEffects>
+            </a:ext>
+          </a:extLst>
+        </p:spPr>
+      </p:pic>
+      <p:pic>
+        <p:nvPicPr>
+          <p:cNvPr id="7" name="Picture 2"/>
+          <p:cNvPicPr>
+            <a:picLocks noChangeAspect="1" noChangeArrowheads="1"/>
+          </p:cNvPicPr>
+          <p:nvPr/>
+        </p:nvPicPr>
+        <p:blipFill>
+          <a:blip r:embed="rId6">
+            <a:extLst>
+              <a:ext uri="{28A0092B-C50C-407E-A947-70E740481C1C}">
+                <a14:useLocalDpi xmlns:a14="http://schemas.microsoft.com/office/drawing/2010/main" val="0"/>
+              </a:ext>
+            </a:extLst>
+          </a:blip>
+          <a:srcRect/>
+          <a:stretch>
+            <a:fillRect/>
+          </a:stretch>
+        </p:blipFill>
+        <p:spPr bwMode="auto">
+          <a:xfrm>
+            <a:off x="4674550" y="2300806"/>
+            <a:ext cx="4130848" cy="3526020"/>
+          </a:xfrm>
+          <a:prstGeom prst="rect">
+            <a:avLst/>
+          </a:prstGeom>
+          <a:noFill/>
+          <a:ln>
+            <a:noFill/>
+          </a:ln>
+          <a:effectLst/>
+          <a:extLst>
+            <a:ext uri="{909E8E84-426E-40DD-AFC4-6F175D3DCCD1}">
+              <a14:hiddenFill xmlns:a14="http://schemas.microsoft.com/office/drawing/2010/main">
+                <a:solidFill>
+                  <a:schemeClr val="accent1"/>
+                </a:solidFill>
+              </a14:hiddenFill>
+            </a:ext>
+            <a:ext uri="{91240B29-F687-4F45-9708-019B960494DF}">
+              <a14:hiddenLine xmlns:a14="http://schemas.microsoft.com/office/drawing/2010/main" w="9525">
+                <a:solidFill>
+                  <a:schemeClr val="tx1"/>
+                </a:solidFill>
+                <a:miter lim="800000"/>
+                <a:headEnd/>
+                <a:tailEnd/>
+              </a14:hiddenLine>
+            </a:ext>
+            <a:ext uri="{AF507438-7753-43E0-B8FC-AC1667EBCBE1}">
+              <a14:hiddenEffects xmlns:a14="http://schemas.microsoft.com/office/drawing/2010/main">
+                <a:effectLst>
+                  <a:outerShdw dist="35921" dir="2700000" algn="ctr" rotWithShape="0">
+                    <a:schemeClr val="bg2"/>
+                  </a:outerShdw>
+                </a:effectLst>
+              </a14:hiddenEffects>
+            </a:ext>
+          </a:extLst>
         </p:spPr>
       </p:pic>
     </p:spTree>

--- a/Trabalho_final/apresentacao.pptx
+++ b/Trabalho_final/apresentacao.pptx
@@ -232,7 +232,7 @@
   </p:defaultTextStyle>
   <p:extLst>
     <p:ext uri="{EFAFB233-063F-42B5-8137-9DF3F51BA10A}">
-      <p15:sldGuideLst xmlns:p15="http://schemas.microsoft.com/office/powerpoint/2012/main" xmlns="">
+      <p15:sldGuideLst xmlns="" xmlns:p15="http://schemas.microsoft.com/office/powerpoint/2012/main">
         <p15:guide id="1" orient="horz" pos="2160">
           <p15:clr>
             <a:srgbClr val="A4A3A4"/>
@@ -6457,7 +6457,11 @@
             </a:pPr>
             <a:r>
               <a:rPr lang="pt-BR" sz="2400" dirty="0" smtClean="0"/>
-              <a:t>Desenvolver sistema de controle de campeonato de futebol do Brasileirão</a:t>
+              <a:t>	Banco de dados de </a:t>
+            </a:r>
+            <a:r>
+              <a:rPr lang="pt-BR" sz="2400" dirty="0" smtClean="0"/>
+              <a:t>controle de campeonato de futebol do Brasileirão</a:t>
             </a:r>
             <a:endParaRPr lang="pt-BR" sz="2400" dirty="0"/>
           </a:p>
